--- a/JSRestApi/WarsztatQA.pptx
+++ b/JSRestApi/WarsztatQA.pptx
@@ -5114,39 +5114,45 @@
             </a:pPr>
             <a:r>
               <a:rPr lang="pl-PL" dirty="0"/>
-              <a:t>6. Wykonanie testu dla metody POST</a:t>
-            </a:r>
-          </a:p>
-          <a:p>
-            <a:pPr lvl="1"/>
-            <a:r>
-              <a:rPr lang="pl-PL" dirty="0"/>
-              <a:t>Przygotowania danych testowych w pliku JSON</a:t>
-            </a:r>
-          </a:p>
-          <a:p>
-            <a:pPr lvl="1"/>
-            <a:r>
-              <a:rPr lang="pl-PL" dirty="0"/>
-              <a:t>Przygotowanie odpowiedzi w pliku JSON</a:t>
-            </a:r>
+              <a:t>6. Wykonanie testów dla wszystkich metod ze strony: </a:t>
+            </a:r>
+            <a:r>
+              <a:rPr lang="pl-PL" dirty="0">
+                <a:hlinkClick r:id="rId2"/>
+              </a:rPr>
+              <a:t>https://jsonplaceholder.typicode.com</a:t>
+            </a:r>
+            <a:endParaRPr lang="pl-PL" dirty="0"/>
           </a:p>
           <a:p>
             <a:pPr marL="0" indent="0">
               <a:buNone/>
             </a:pPr>
             <a:r>
-              <a:rPr lang="pl-PL" dirty="0"/>
-              <a:t>7. Wykonanie testu dla metody PUT</a:t>
-            </a:r>
+              <a:rPr lang="pl-PL" dirty="0">
+                <a:hlinkClick r:id="rId3"/>
+              </a:rPr>
+              <a:t>https://github.com/typicode/jsonplaceholder</a:t>
+            </a:r>
+            <a:endParaRPr lang="pl-PL" dirty="0"/>
           </a:p>
           <a:p>
             <a:pPr marL="0" indent="0">
               <a:buNone/>
             </a:pPr>
-            <a:r>
-              <a:rPr lang="pl-PL" dirty="0"/>
-              <a:t>8. Instalacja i konfiguracja </a:t>
+            <a:endParaRPr lang="pl-PL" dirty="0"/>
+          </a:p>
+          <a:p>
+            <a:pPr marL="0" indent="0">
+              <a:buNone/>
+            </a:pPr>
+            <a:r>
+              <a:rPr lang="pl-PL"/>
+              <a:t>7. </a:t>
+            </a:r>
+            <a:r>
+              <a:rPr lang="pl-PL" dirty="0"/>
+              <a:t>Instalacja i konfiguracja </a:t>
             </a:r>
             <a:r>
               <a:rPr lang="pl-PL" dirty="0" err="1"/>
@@ -5270,28 +5276,6 @@
             <a:r>
               <a:rPr lang="pl-PL" dirty="0" err="1"/>
               <a:t>Promises</a:t>
-            </a:r>
-            <a:endParaRPr lang="pl-PL" dirty="0"/>
-          </a:p>
-          <a:p>
-            <a:pPr marL="0" indent="0">
-              <a:buNone/>
-            </a:pPr>
-            <a:r>
-              <a:rPr lang="pl-PL" dirty="0"/>
-              <a:t>11. </a:t>
-            </a:r>
-            <a:r>
-              <a:rPr lang="pl-PL" dirty="0" err="1"/>
-              <a:t>Expect</a:t>
-            </a:r>
-            <a:r>
-              <a:rPr lang="pl-PL" dirty="0"/>
-              <a:t> uwzględniające </a:t>
-            </a:r>
-            <a:r>
-              <a:rPr lang="pl-PL"/>
-              <a:t>więcej warunków</a:t>
             </a:r>
             <a:endParaRPr lang="pl-PL" dirty="0"/>
           </a:p>

--- a/JSRestApi/WarsztatQA.pptx
+++ b/JSRestApi/WarsztatQA.pptx
@@ -275,7 +275,7 @@
           <a:p>
             <a:fld id="{B36BEBE1-B3CB-41C2-A63C-0F2E3C3065BE}" type="datetimeFigureOut">
               <a:rPr lang="pl-PL" smtClean="0"/>
-              <a:t>19.04.2018</a:t>
+              <a:t>20.04.2018</a:t>
             </a:fld>
             <a:endParaRPr lang="pl-PL"/>
           </a:p>
@@ -473,7 +473,7 @@
           <a:p>
             <a:fld id="{B36BEBE1-B3CB-41C2-A63C-0F2E3C3065BE}" type="datetimeFigureOut">
               <a:rPr lang="pl-PL" smtClean="0"/>
-              <a:t>19.04.2018</a:t>
+              <a:t>20.04.2018</a:t>
             </a:fld>
             <a:endParaRPr lang="pl-PL"/>
           </a:p>
@@ -681,7 +681,7 @@
           <a:p>
             <a:fld id="{B36BEBE1-B3CB-41C2-A63C-0F2E3C3065BE}" type="datetimeFigureOut">
               <a:rPr lang="pl-PL" smtClean="0"/>
-              <a:t>19.04.2018</a:t>
+              <a:t>20.04.2018</a:t>
             </a:fld>
             <a:endParaRPr lang="pl-PL"/>
           </a:p>
@@ -879,7 +879,7 @@
           <a:p>
             <a:fld id="{B36BEBE1-B3CB-41C2-A63C-0F2E3C3065BE}" type="datetimeFigureOut">
               <a:rPr lang="pl-PL" smtClean="0"/>
-              <a:t>19.04.2018</a:t>
+              <a:t>20.04.2018</a:t>
             </a:fld>
             <a:endParaRPr lang="pl-PL"/>
           </a:p>
@@ -1154,7 +1154,7 @@
           <a:p>
             <a:fld id="{B36BEBE1-B3CB-41C2-A63C-0F2E3C3065BE}" type="datetimeFigureOut">
               <a:rPr lang="pl-PL" smtClean="0"/>
-              <a:t>19.04.2018</a:t>
+              <a:t>20.04.2018</a:t>
             </a:fld>
             <a:endParaRPr lang="pl-PL"/>
           </a:p>
@@ -1419,7 +1419,7 @@
           <a:p>
             <a:fld id="{B36BEBE1-B3CB-41C2-A63C-0F2E3C3065BE}" type="datetimeFigureOut">
               <a:rPr lang="pl-PL" smtClean="0"/>
-              <a:t>19.04.2018</a:t>
+              <a:t>20.04.2018</a:t>
             </a:fld>
             <a:endParaRPr lang="pl-PL"/>
           </a:p>
@@ -1831,7 +1831,7 @@
           <a:p>
             <a:fld id="{B36BEBE1-B3CB-41C2-A63C-0F2E3C3065BE}" type="datetimeFigureOut">
               <a:rPr lang="pl-PL" smtClean="0"/>
-              <a:t>19.04.2018</a:t>
+              <a:t>20.04.2018</a:t>
             </a:fld>
             <a:endParaRPr lang="pl-PL"/>
           </a:p>
@@ -1972,7 +1972,7 @@
           <a:p>
             <a:fld id="{B36BEBE1-B3CB-41C2-A63C-0F2E3C3065BE}" type="datetimeFigureOut">
               <a:rPr lang="pl-PL" smtClean="0"/>
-              <a:t>19.04.2018</a:t>
+              <a:t>20.04.2018</a:t>
             </a:fld>
             <a:endParaRPr lang="pl-PL"/>
           </a:p>
@@ -2085,7 +2085,7 @@
           <a:p>
             <a:fld id="{B36BEBE1-B3CB-41C2-A63C-0F2E3C3065BE}" type="datetimeFigureOut">
               <a:rPr lang="pl-PL" smtClean="0"/>
-              <a:t>19.04.2018</a:t>
+              <a:t>20.04.2018</a:t>
             </a:fld>
             <a:endParaRPr lang="pl-PL"/>
           </a:p>
@@ -2396,7 +2396,7 @@
           <a:p>
             <a:fld id="{B36BEBE1-B3CB-41C2-A63C-0F2E3C3065BE}" type="datetimeFigureOut">
               <a:rPr lang="pl-PL" smtClean="0"/>
-              <a:t>19.04.2018</a:t>
+              <a:t>20.04.2018</a:t>
             </a:fld>
             <a:endParaRPr lang="pl-PL"/>
           </a:p>
@@ -2684,7 +2684,7 @@
           <a:p>
             <a:fld id="{B36BEBE1-B3CB-41C2-A63C-0F2E3C3065BE}" type="datetimeFigureOut">
               <a:rPr lang="pl-PL" smtClean="0"/>
-              <a:t>19.04.2018</a:t>
+              <a:t>20.04.2018</a:t>
             </a:fld>
             <a:endParaRPr lang="pl-PL"/>
           </a:p>
@@ -2925,7 +2925,7 @@
           <a:p>
             <a:fld id="{B36BEBE1-B3CB-41C2-A63C-0F2E3C3065BE}" type="datetimeFigureOut">
               <a:rPr lang="pl-PL" smtClean="0"/>
-              <a:t>19.04.2018</a:t>
+              <a:t>20.04.2018</a:t>
             </a:fld>
             <a:endParaRPr lang="pl-PL"/>
           </a:p>
@@ -5070,7 +5070,9 @@
         </p:nvSpPr>
         <p:spPr/>
         <p:txBody>
-          <a:bodyPr/>
+          <a:bodyPr>
+            <a:normAutofit lnSpcReduction="10000"/>
+          </a:bodyPr>
           <a:lstStyle/>
           <a:p>
             <a:pPr marL="0" indent="0">
@@ -5147,21 +5149,70 @@
               <a:buNone/>
             </a:pPr>
             <a:r>
+              <a:rPr lang="pl-PL" dirty="0"/>
+              <a:t>7. Instalacja i konfiguracja </a:t>
+            </a:r>
+            <a:r>
+              <a:rPr lang="pl-PL" dirty="0" err="1"/>
+              <a:t>Jasmine</a:t>
+            </a:r>
+            <a:r>
+              <a:rPr lang="pl-PL" dirty="0"/>
+              <a:t>-report + </a:t>
+            </a:r>
+            <a:r>
+              <a:rPr lang="pl-PL" dirty="0" err="1"/>
+              <a:t>protractor</a:t>
+            </a:r>
+            <a:r>
+              <a:rPr lang="pl-PL" dirty="0"/>
+              <a:t> </a:t>
+            </a:r>
+            <a:r>
+              <a:rPr lang="pl-PL" dirty="0" err="1"/>
+              <a:t>html</a:t>
+            </a:r>
+            <a:r>
               <a:rPr lang="pl-PL"/>
-              <a:t>7. </a:t>
-            </a:r>
-            <a:r>
-              <a:rPr lang="pl-PL" dirty="0"/>
-              <a:t>Instalacja i konfiguracja </a:t>
-            </a:r>
-            <a:r>
-              <a:rPr lang="pl-PL" dirty="0" err="1"/>
-              <a:t>Jasmine</a:t>
-            </a:r>
-            <a:r>
-              <a:rPr lang="pl-PL" dirty="0"/>
-              <a:t>-report</a:t>
-            </a:r>
+              <a:t> report:</a:t>
+            </a:r>
+            <a:endParaRPr lang="pl-PL" dirty="0"/>
+          </a:p>
+          <a:p>
+            <a:pPr marL="0" indent="0">
+              <a:buNone/>
+            </a:pPr>
+            <a:r>
+              <a:rPr lang="pl-PL" dirty="0">
+                <a:hlinkClick r:id="rId4"/>
+              </a:rPr>
+              <a:t>https://github.com/larrymyers/jasmine-reporters</a:t>
+            </a:r>
+            <a:endParaRPr lang="pl-PL" dirty="0"/>
+          </a:p>
+          <a:p>
+            <a:pPr marL="0" indent="0">
+              <a:buNone/>
+            </a:pPr>
+            <a:r>
+              <a:rPr lang="pl-PL" dirty="0">
+                <a:hlinkClick r:id="rId5"/>
+              </a:rPr>
+              <a:t>https://www.npmjs.com/package/protractor-html-reporter</a:t>
+            </a:r>
+            <a:endParaRPr lang="pl-PL" dirty="0"/>
+          </a:p>
+          <a:p>
+            <a:pPr marL="0" indent="0">
+              <a:buNone/>
+            </a:pPr>
+            <a:endParaRPr lang="pl-PL" dirty="0"/>
+          </a:p>
+          <a:p>
+            <a:pPr marL="0" indent="0">
+              <a:buNone/>
+            </a:pPr>
+            <a:endParaRPr lang="pl-PL" dirty="0"/>
           </a:p>
         </p:txBody>
       </p:sp>

--- a/JSRestApi/WarsztatQA.pptx
+++ b/JSRestApi/WarsztatQA.pptx
@@ -6,26 +6,27 @@
     <p:sldMasterId id="2147483811" r:id="rId2"/>
   </p:sldMasterIdLst>
   <p:notesMasterIdLst>
-    <p:notesMasterId r:id="rId20"/>
+    <p:notesMasterId r:id="rId21"/>
   </p:notesMasterIdLst>
   <p:sldIdLst>
     <p:sldId id="256" r:id="rId3"/>
     <p:sldId id="257" r:id="rId4"/>
     <p:sldId id="258" r:id="rId5"/>
-    <p:sldId id="259" r:id="rId6"/>
-    <p:sldId id="260" r:id="rId7"/>
-    <p:sldId id="265" r:id="rId8"/>
-    <p:sldId id="261" r:id="rId9"/>
-    <p:sldId id="267" r:id="rId10"/>
-    <p:sldId id="262" r:id="rId11"/>
-    <p:sldId id="266" r:id="rId12"/>
-    <p:sldId id="263" r:id="rId13"/>
-    <p:sldId id="264" r:id="rId14"/>
-    <p:sldId id="268" r:id="rId15"/>
-    <p:sldId id="269" r:id="rId16"/>
-    <p:sldId id="270" r:id="rId17"/>
-    <p:sldId id="271" r:id="rId18"/>
-    <p:sldId id="272" r:id="rId19"/>
+    <p:sldId id="273" r:id="rId6"/>
+    <p:sldId id="259" r:id="rId7"/>
+    <p:sldId id="260" r:id="rId8"/>
+    <p:sldId id="265" r:id="rId9"/>
+    <p:sldId id="261" r:id="rId10"/>
+    <p:sldId id="267" r:id="rId11"/>
+    <p:sldId id="262" r:id="rId12"/>
+    <p:sldId id="266" r:id="rId13"/>
+    <p:sldId id="263" r:id="rId14"/>
+    <p:sldId id="264" r:id="rId15"/>
+    <p:sldId id="268" r:id="rId16"/>
+    <p:sldId id="269" r:id="rId17"/>
+    <p:sldId id="270" r:id="rId18"/>
+    <p:sldId id="271" r:id="rId19"/>
+    <p:sldId id="272" r:id="rId20"/>
   </p:sldIdLst>
   <p:sldSz cx="12192000" cy="6858000"/>
   <p:notesSz cx="6858000" cy="9144000"/>
@@ -214,7 +215,7 @@
           <a:p>
             <a:fld id="{B9838D2C-80FD-439A-8B39-C20B67535143}" type="datetimeFigureOut">
               <a:rPr lang="pl-PL" smtClean="0"/>
-              <a:t>20.04.2018</a:t>
+              <a:t>21.04.2018</a:t>
             </a:fld>
             <a:endParaRPr lang="pl-PL"/>
           </a:p>
@@ -623,7 +624,7 @@
           <a:p>
             <a:fld id="{7D15EBCA-EAE8-40E4-82EA-A32F1D55D2F0}" type="datetime1">
               <a:rPr lang="pl-PL" smtClean="0"/>
-              <a:t>20.04.2018</a:t>
+              <a:t>21.04.2018</a:t>
             </a:fld>
             <a:endParaRPr lang="pl-PL"/>
           </a:p>
@@ -796,7 +797,7 @@
           <a:p>
             <a:fld id="{A750EF91-DC3B-4E43-BAD6-8DD47640ADAC}" type="datetime1">
               <a:rPr lang="pl-PL" smtClean="0"/>
-              <a:t>20.04.2018</a:t>
+              <a:t>21.04.2018</a:t>
             </a:fld>
             <a:endParaRPr lang="pl-PL"/>
           </a:p>
@@ -979,7 +980,7 @@
           <a:p>
             <a:fld id="{44B90308-21AF-4044-878B-78CBDFDB604D}" type="datetime1">
               <a:rPr lang="pl-PL" smtClean="0"/>
-              <a:t>20.04.2018</a:t>
+              <a:t>21.04.2018</a:t>
             </a:fld>
             <a:endParaRPr lang="pl-PL"/>
           </a:p>
@@ -1267,7 +1268,7 @@
           <a:p>
             <a:fld id="{B9998CDE-1C0F-4086-87B1-8959410922B2}" type="datetime1">
               <a:rPr lang="pl-PL" smtClean="0"/>
-              <a:t>20.04.2018</a:t>
+              <a:t>21.04.2018</a:t>
             </a:fld>
             <a:endParaRPr lang="pl-PL"/>
           </a:p>
@@ -1526,7 +1527,7 @@
           <a:p>
             <a:fld id="{DD3BCC1F-A243-4427-A5E8-8584C3BE42B9}" type="datetime1">
               <a:rPr lang="pl-PL" smtClean="0"/>
-              <a:t>20.04.2018</a:t>
+              <a:t>21.04.2018</a:t>
             </a:fld>
             <a:endParaRPr lang="pl-PL"/>
           </a:p>
@@ -1777,7 +1778,7 @@
           <a:p>
             <a:fld id="{DFCBDBE0-F3F5-444D-8DB7-7D6DD1B22FB6}" type="datetime1">
               <a:rPr lang="pl-PL" smtClean="0"/>
-              <a:t>20.04.2018</a:t>
+              <a:t>21.04.2018</a:t>
             </a:fld>
             <a:endParaRPr lang="pl-PL"/>
           </a:p>
@@ -2092,7 +2093,7 @@
           <a:p>
             <a:fld id="{A3C5D462-ED45-4E6D-8AF3-6AA5871C3BCD}" type="datetime1">
               <a:rPr lang="pl-PL" smtClean="0"/>
-              <a:t>20.04.2018</a:t>
+              <a:t>21.04.2018</a:t>
             </a:fld>
             <a:endParaRPr lang="pl-PL"/>
           </a:p>
@@ -2477,7 +2478,7 @@
           <a:p>
             <a:fld id="{16843E65-2E0C-4927-A1E7-DC33935162C2}" type="datetime1">
               <a:rPr lang="pl-PL" smtClean="0"/>
-              <a:t>20.04.2018</a:t>
+              <a:t>21.04.2018</a:t>
             </a:fld>
             <a:endParaRPr lang="pl-PL"/>
           </a:p>
@@ -2636,7 +2637,7 @@
           <a:p>
             <a:fld id="{D53F099D-F62E-4E91-A45C-9578087CEB70}" type="datetime1">
               <a:rPr lang="pl-PL" smtClean="0"/>
-              <a:t>20.04.2018</a:t>
+              <a:t>21.04.2018</a:t>
             </a:fld>
             <a:endParaRPr lang="pl-PL"/>
           </a:p>
@@ -2772,7 +2773,7 @@
           <a:p>
             <a:fld id="{659F729F-EE4D-410F-A06D-1B49B47C63CB}" type="datetime1">
               <a:rPr lang="pl-PL" smtClean="0"/>
-              <a:t>20.04.2018</a:t>
+              <a:t>21.04.2018</a:t>
             </a:fld>
             <a:endParaRPr lang="pl-PL"/>
           </a:p>
@@ -3030,7 +3031,7 @@
           <a:p>
             <a:fld id="{FA152133-9F03-4B75-B15E-ACFFFB4C1A55}" type="datetime1">
               <a:rPr lang="pl-PL" smtClean="0"/>
-              <a:t>20.04.2018</a:t>
+              <a:t>21.04.2018</a:t>
             </a:fld>
             <a:endParaRPr lang="pl-PL"/>
           </a:p>
@@ -3241,7 +3242,7 @@
           <a:p>
             <a:fld id="{1AD2AB8A-CF93-4EAA-8745-752472266D8E}" type="datetime1">
               <a:rPr lang="pl-PL" smtClean="0"/>
-              <a:t>20.04.2018</a:t>
+              <a:t>21.04.2018</a:t>
             </a:fld>
             <a:endParaRPr lang="pl-PL"/>
           </a:p>
@@ -3528,7 +3529,7 @@
           <a:p>
             <a:fld id="{E5F9DAD6-6C9E-48D5-96B6-84486BBC1BF0}" type="datetime1">
               <a:rPr lang="pl-PL" smtClean="0"/>
-              <a:t>20.04.2018</a:t>
+              <a:t>21.04.2018</a:t>
             </a:fld>
             <a:endParaRPr lang="pl-PL"/>
           </a:p>
@@ -3815,7 +3816,7 @@
           <a:p>
             <a:fld id="{63A440DE-DE16-4507-81EE-E5D76503DEF3}" type="datetime1">
               <a:rPr lang="pl-PL" smtClean="0"/>
-              <a:t>20.04.2018</a:t>
+              <a:t>21.04.2018</a:t>
             </a:fld>
             <a:endParaRPr lang="pl-PL"/>
           </a:p>
@@ -4066,7 +4067,7 @@
           <a:p>
             <a:fld id="{092D7FA1-095B-43D6-8C42-F28CEBAC1F9C}" type="datetime1">
               <a:rPr lang="pl-PL" smtClean="0"/>
-              <a:t>20.04.2018</a:t>
+              <a:t>21.04.2018</a:t>
             </a:fld>
             <a:endParaRPr lang="pl-PL"/>
           </a:p>
@@ -4415,7 +4416,7 @@
           <a:p>
             <a:fld id="{BB638D0B-0EF9-4918-902A-A03CD5F33669}" type="datetime1">
               <a:rPr lang="pl-PL" smtClean="0"/>
-              <a:t>20.04.2018</a:t>
+              <a:t>21.04.2018</a:t>
             </a:fld>
             <a:endParaRPr lang="pl-PL"/>
           </a:p>
@@ -4772,7 +4773,7 @@
           <a:p>
             <a:fld id="{04530FDA-0051-410B-9CBE-70F982ECA2E7}" type="datetime1">
               <a:rPr lang="pl-PL" smtClean="0"/>
-              <a:t>20.04.2018</a:t>
+              <a:t>21.04.2018</a:t>
             </a:fld>
             <a:endParaRPr lang="pl-PL"/>
           </a:p>
@@ -5149,7 +5150,7 @@
           <a:p>
             <a:fld id="{FA70680C-7C00-4A36-ADBE-CD8F01D439D1}" type="datetime1">
               <a:rPr lang="pl-PL" smtClean="0"/>
-              <a:t>20.04.2018</a:t>
+              <a:t>21.04.2018</a:t>
             </a:fld>
             <a:endParaRPr lang="pl-PL"/>
           </a:p>
@@ -5629,7 +5630,7 @@
           <a:p>
             <a:fld id="{48D031EB-53D9-4A77-AE3F-1D5051B0BB62}" type="datetime1">
               <a:rPr lang="pl-PL" smtClean="0"/>
-              <a:t>20.04.2018</a:t>
+              <a:t>21.04.2018</a:t>
             </a:fld>
             <a:endParaRPr lang="pl-PL"/>
           </a:p>
@@ -5844,7 +5845,7 @@
           <a:p>
             <a:fld id="{C4CF7E6E-B675-405C-B49C-B9FD3CAB231D}" type="datetime1">
               <a:rPr lang="pl-PL" smtClean="0"/>
-              <a:t>20.04.2018</a:t>
+              <a:t>21.04.2018</a:t>
             </a:fld>
             <a:endParaRPr lang="pl-PL"/>
           </a:p>
@@ -6065,7 +6066,7 @@
           <a:p>
             <a:fld id="{E964BCEB-C20A-4666-AC65-81A7FCE4A33B}" type="datetime1">
               <a:rPr lang="pl-PL" smtClean="0"/>
-              <a:t>20.04.2018</a:t>
+              <a:t>21.04.2018</a:t>
             </a:fld>
             <a:endParaRPr lang="pl-PL"/>
           </a:p>
@@ -6357,7 +6358,7 @@
           <a:p>
             <a:fld id="{84AEA292-6C67-48AC-B73A-B691A19DDAC8}" type="datetime1">
               <a:rPr lang="pl-PL" smtClean="0"/>
-              <a:t>20.04.2018</a:t>
+              <a:t>21.04.2018</a:t>
             </a:fld>
             <a:endParaRPr lang="pl-PL"/>
           </a:p>
@@ -6592,7 +6593,7 @@
           <a:p>
             <a:fld id="{63AE799B-3456-4748-B1D6-F389C862C48D}" type="datetime1">
               <a:rPr lang="pl-PL" smtClean="0"/>
-              <a:t>20.04.2018</a:t>
+              <a:t>21.04.2018</a:t>
             </a:fld>
             <a:endParaRPr lang="pl-PL"/>
           </a:p>
@@ -6942,7 +6943,7 @@
           <a:p>
             <a:fld id="{E0F385BA-5578-4422-8EEA-16B3986FCE0B}" type="datetime1">
               <a:rPr lang="pl-PL" smtClean="0"/>
-              <a:t>20.04.2018</a:t>
+              <a:t>21.04.2018</a:t>
             </a:fld>
             <a:endParaRPr lang="pl-PL"/>
           </a:p>
@@ -7063,7 +7064,7 @@
           <a:p>
             <a:fld id="{5DA085BC-49B0-4090-9B1F-8BA2F6F53C37}" type="datetime1">
               <a:rPr lang="pl-PL" smtClean="0"/>
-              <a:t>20.04.2018</a:t>
+              <a:t>21.04.2018</a:t>
             </a:fld>
             <a:endParaRPr lang="pl-PL"/>
           </a:p>
@@ -7184,7 +7185,7 @@
           <a:p>
             <a:fld id="{FB3E8227-49CE-49C6-B43F-3CB6BB3F2D9E}" type="datetime1">
               <a:rPr lang="pl-PL" smtClean="0"/>
-              <a:t>20.04.2018</a:t>
+              <a:t>21.04.2018</a:t>
             </a:fld>
             <a:endParaRPr lang="pl-PL"/>
           </a:p>
@@ -7471,7 +7472,7 @@
           <a:p>
             <a:fld id="{5486AC57-177F-4774-A947-24B031BED5FC}" type="datetime1">
               <a:rPr lang="pl-PL" smtClean="0"/>
-              <a:t>20.04.2018</a:t>
+              <a:t>21.04.2018</a:t>
             </a:fld>
             <a:endParaRPr lang="pl-PL"/>
           </a:p>
@@ -7738,7 +7739,7 @@
           <a:p>
             <a:fld id="{28D3D364-C910-4A90-91B4-5E59DCA2A7DC}" type="datetime1">
               <a:rPr lang="pl-PL" smtClean="0"/>
-              <a:t>20.04.2018</a:t>
+              <a:t>21.04.2018</a:t>
             </a:fld>
             <a:endParaRPr lang="pl-PL"/>
           </a:p>
@@ -7955,7 +7956,7 @@
           <a:p>
             <a:fld id="{D145571D-AC24-4122-9F30-0A26219C0CA4}" type="datetime1">
               <a:rPr lang="pl-PL" smtClean="0"/>
-              <a:t>20.04.2018</a:t>
+              <a:t>21.04.2018</a:t>
             </a:fld>
             <a:endParaRPr lang="pl-PL"/>
           </a:p>
@@ -8519,7 +8520,7 @@
           <a:p>
             <a:fld id="{74603AB0-E5B2-4983-BF3F-FE6B109725E7}" type="datetime1">
               <a:rPr lang="pl-PL" smtClean="0"/>
-              <a:t>20.04.2018</a:t>
+              <a:t>21.04.2018</a:t>
             </a:fld>
             <a:endParaRPr lang="pl-PL"/>
           </a:p>
@@ -9141,13 +9142,18 @@
             <p:ph type="ftr" sz="quarter" idx="11"/>
           </p:nvPr>
         </p:nvSpPr>
-        <p:spPr/>
-        <p:txBody>
-          <a:bodyPr/>
-          <a:lstStyle/>
-          <a:p>
-            <a:r>
-              <a:rPr lang="pl-PL"/>
+        <p:spPr>
+          <a:xfrm>
+            <a:off x="2364557" y="4525347"/>
+            <a:ext cx="5542476" cy="791716"/>
+          </a:xfrm>
+        </p:spPr>
+        <p:txBody>
+          <a:bodyPr/>
+          <a:lstStyle/>
+          <a:p>
+            <a:r>
+              <a:rPr lang="pl-PL" sz="2400" dirty="0"/>
               <a:t>autor: Michał Ożibko</a:t>
             </a:r>
           </a:p>
@@ -9184,10 +9190,10 @@
       </p:sp>
       <p:pic>
         <p:nvPicPr>
-          <p:cNvPr id="1026" name="Picture 2" descr="Znalezione obrazy dla zapytania rest api logo">
+          <p:cNvPr id="5" name="Picture 2" descr="Podobny obraz">
             <a:extLst>
               <a:ext uri="{FF2B5EF4-FFF2-40B4-BE49-F238E27FC236}">
-                <a16:creationId xmlns:a16="http://schemas.microsoft.com/office/drawing/2014/main" id="{A603D9E4-C3DD-453F-9A71-EC0ADECA1809}"/>
+                <a16:creationId xmlns:a16="http://schemas.microsoft.com/office/drawing/2014/main" id="{A951F112-5B63-49C7-B9F5-FD2D7AD13837}"/>
               </a:ext>
             </a:extLst>
           </p:cNvPr>
@@ -9211,8 +9217,8 @@
         </p:blipFill>
         <p:spPr bwMode="auto">
           <a:xfrm>
-            <a:off x="4667250" y="3516553"/>
-            <a:ext cx="2857500" cy="2857500"/>
+            <a:off x="8089641" y="4267616"/>
+            <a:ext cx="1496443" cy="1077440"/>
           </a:xfrm>
           <a:prstGeom prst="rect">
             <a:avLst/>
@@ -9264,6 +9270,399 @@
           <p:cNvPr id="2" name="Tytuł 1">
             <a:extLst>
               <a:ext uri="{FF2B5EF4-FFF2-40B4-BE49-F238E27FC236}">
+                <a16:creationId xmlns:a16="http://schemas.microsoft.com/office/drawing/2014/main" id="{FB20BE1F-BDAA-4E94-ABB0-68961976E5F4}"/>
+              </a:ext>
+            </a:extLst>
+          </p:cNvPr>
+          <p:cNvSpPr>
+            <a:spLocks noGrp="1"/>
+          </p:cNvSpPr>
+          <p:nvPr>
+            <p:ph type="title"/>
+          </p:nvPr>
+        </p:nvSpPr>
+        <p:spPr>
+          <a:xfrm>
+            <a:off x="1295402" y="982132"/>
+            <a:ext cx="9601196" cy="1303867"/>
+          </a:xfrm>
+        </p:spPr>
+        <p:txBody>
+          <a:bodyPr/>
+          <a:lstStyle/>
+          <a:p>
+            <a:r>
+              <a:rPr lang="pl-PL" dirty="0" err="1"/>
+              <a:t>Protractor</a:t>
+            </a:r>
+            <a:r>
+              <a:rPr lang="pl-PL" dirty="0"/>
+              <a:t> – opis narzędzia</a:t>
+            </a:r>
+          </a:p>
+        </p:txBody>
+      </p:sp>
+      <p:sp>
+        <p:nvSpPr>
+          <p:cNvPr id="3" name="Symbol zastępczy zawartości 2">
+            <a:extLst>
+              <a:ext uri="{FF2B5EF4-FFF2-40B4-BE49-F238E27FC236}">
+                <a16:creationId xmlns:a16="http://schemas.microsoft.com/office/drawing/2014/main" id="{A58853FE-2B48-4C87-A8BE-40261EA102C8}"/>
+              </a:ext>
+            </a:extLst>
+          </p:cNvPr>
+          <p:cNvSpPr>
+            <a:spLocks noGrp="1"/>
+          </p:cNvSpPr>
+          <p:nvPr>
+            <p:ph idx="1"/>
+          </p:nvPr>
+        </p:nvSpPr>
+        <p:spPr>
+          <a:xfrm>
+            <a:off x="1303178" y="2556932"/>
+            <a:ext cx="9601196" cy="3318936"/>
+          </a:xfrm>
+        </p:spPr>
+        <p:txBody>
+          <a:bodyPr/>
+          <a:lstStyle/>
+          <a:p>
+            <a:pPr marL="0" indent="0">
+              <a:buNone/>
+            </a:pPr>
+            <a:r>
+              <a:rPr lang="pl-PL" b="1" dirty="0" err="1"/>
+              <a:t>Protractor</a:t>
+            </a:r>
+            <a:r>
+              <a:rPr lang="pl-PL" dirty="0"/>
+              <a:t> jest dedykowanym narzędziem do testów automatycznych dla aplikacji wytworzonych w </a:t>
+            </a:r>
+            <a:r>
+              <a:rPr lang="pl-PL" dirty="0" err="1"/>
+              <a:t>frameworku</a:t>
+            </a:r>
+            <a:r>
+              <a:rPr lang="pl-PL" dirty="0"/>
+              <a:t> </a:t>
+            </a:r>
+            <a:r>
+              <a:rPr lang="pl-PL" dirty="0" err="1"/>
+              <a:t>Angular</a:t>
+            </a:r>
+            <a:r>
+              <a:rPr lang="pl-PL" dirty="0"/>
+              <a:t>, główne właściwości:</a:t>
+            </a:r>
+          </a:p>
+          <a:p>
+            <a:r>
+              <a:rPr lang="pl-PL" dirty="0"/>
+              <a:t>Dedykowany </a:t>
+            </a:r>
+            <a:r>
+              <a:rPr lang="pl-PL" dirty="0" err="1"/>
+              <a:t>lokatory</a:t>
+            </a:r>
+            <a:r>
+              <a:rPr lang="pl-PL" dirty="0"/>
+              <a:t> dla technologii </a:t>
+            </a:r>
+            <a:r>
+              <a:rPr lang="pl-PL" dirty="0" err="1"/>
+              <a:t>angular</a:t>
+            </a:r>
+            <a:r>
+              <a:rPr lang="pl-PL" dirty="0"/>
+              <a:t> tj. </a:t>
+            </a:r>
+          </a:p>
+          <a:p>
+            <a:pPr lvl="1"/>
+            <a:r>
+              <a:rPr lang="pl-PL" sz="2000" dirty="0" err="1"/>
+              <a:t>by.exactBinding</a:t>
+            </a:r>
+            <a:r>
+              <a:rPr lang="pl-PL" sz="2000" dirty="0"/>
+              <a:t> (przykład DOM: &lt;</a:t>
+            </a:r>
+            <a:r>
+              <a:rPr lang="pl-PL" sz="2000" dirty="0" err="1"/>
+              <a:t>span</a:t>
+            </a:r>
+            <a:r>
+              <a:rPr lang="pl-PL" sz="2000" dirty="0"/>
+              <a:t> </a:t>
+            </a:r>
+            <a:r>
+              <a:rPr lang="pl-PL" sz="2000" b="1" dirty="0" err="1"/>
+              <a:t>ng</a:t>
+            </a:r>
+            <a:r>
+              <a:rPr lang="pl-PL" sz="2000" b="1" dirty="0"/>
+              <a:t>-bind</a:t>
+            </a:r>
+            <a:r>
+              <a:rPr lang="pl-PL" sz="2000" dirty="0"/>
+              <a:t>=”person-email”&gt;&lt;/</a:t>
+            </a:r>
+            <a:r>
+              <a:rPr lang="pl-PL" sz="2000" dirty="0" err="1"/>
+              <a:t>span</a:t>
+            </a:r>
+            <a:r>
+              <a:rPr lang="pl-PL" sz="2000" dirty="0"/>
+              <a:t>&gt;)</a:t>
+            </a:r>
+          </a:p>
+          <a:p>
+            <a:pPr lvl="1"/>
+            <a:r>
+              <a:rPr lang="pl-PL" sz="2000" dirty="0" err="1"/>
+              <a:t>by.model</a:t>
+            </a:r>
+            <a:r>
+              <a:rPr lang="pl-PL" sz="2000" dirty="0"/>
+              <a:t> (przykład DOM: &lt;</a:t>
+            </a:r>
+            <a:r>
+              <a:rPr lang="pl-PL" sz="2000" dirty="0" err="1"/>
+              <a:t>input</a:t>
+            </a:r>
+            <a:r>
+              <a:rPr lang="pl-PL" sz="2000" dirty="0"/>
+              <a:t> </a:t>
+            </a:r>
+            <a:r>
+              <a:rPr lang="pl-PL" sz="2000" dirty="0" err="1"/>
+              <a:t>type</a:t>
+            </a:r>
+            <a:r>
+              <a:rPr lang="pl-PL" sz="2000" dirty="0"/>
+              <a:t>=”</a:t>
+            </a:r>
+            <a:r>
+              <a:rPr lang="pl-PL" sz="2000" dirty="0" err="1"/>
+              <a:t>text</a:t>
+            </a:r>
+            <a:r>
+              <a:rPr lang="pl-PL" sz="2000" dirty="0"/>
+              <a:t>” </a:t>
+            </a:r>
+            <a:r>
+              <a:rPr lang="pl-PL" sz="2000" b="1" dirty="0" err="1"/>
+              <a:t>ng</a:t>
+            </a:r>
+            <a:r>
+              <a:rPr lang="pl-PL" sz="2000" b="1" dirty="0"/>
+              <a:t>-model</a:t>
+            </a:r>
+            <a:r>
+              <a:rPr lang="pl-PL" sz="2000" dirty="0"/>
+              <a:t>=”person.name”&gt;)</a:t>
+            </a:r>
+          </a:p>
+          <a:p>
+            <a:pPr lvl="1"/>
+            <a:r>
+              <a:rPr lang="pl-PL" sz="2000" dirty="0" err="1"/>
+              <a:t>by.repeater</a:t>
+            </a:r>
+            <a:r>
+              <a:rPr lang="pl-PL" sz="2000" dirty="0"/>
+              <a:t> (przykład DOM: &lt;div </a:t>
+            </a:r>
+            <a:r>
+              <a:rPr lang="pl-PL" sz="2000" b="1" dirty="0" err="1"/>
+              <a:t>ng-repeat</a:t>
+            </a:r>
+            <a:r>
+              <a:rPr lang="pl-PL" sz="2000" dirty="0"/>
+              <a:t>=”</a:t>
+            </a:r>
+            <a:r>
+              <a:rPr lang="pl-PL" sz="2000" dirty="0" err="1"/>
+              <a:t>cat</a:t>
+            </a:r>
+            <a:r>
+              <a:rPr lang="pl-PL" sz="2000" dirty="0"/>
+              <a:t> in </a:t>
+            </a:r>
+            <a:r>
+              <a:rPr lang="pl-PL" sz="2000" dirty="0" err="1"/>
+              <a:t>pets</a:t>
+            </a:r>
+            <a:r>
+              <a:rPr lang="pl-PL" sz="2000" dirty="0"/>
+              <a:t>”&gt;)</a:t>
+            </a:r>
+          </a:p>
+          <a:p>
+            <a:pPr lvl="1"/>
+            <a:r>
+              <a:rPr lang="pl-PL" sz="2000" dirty="0" err="1"/>
+              <a:t>by.buttonText</a:t>
+            </a:r>
+            <a:endParaRPr lang="pl-PL" sz="2000" dirty="0"/>
+          </a:p>
+          <a:p>
+            <a:pPr lvl="1"/>
+            <a:endParaRPr lang="pl-PL" sz="2000" dirty="0"/>
+          </a:p>
+          <a:p>
+            <a:endParaRPr lang="pl-PL" sz="2400" dirty="0"/>
+          </a:p>
+          <a:p>
+            <a:pPr lvl="1"/>
+            <a:endParaRPr lang="pl-PL" dirty="0"/>
+          </a:p>
+          <a:p>
+            <a:pPr lvl="1"/>
+            <a:endParaRPr lang="pl-PL" dirty="0"/>
+          </a:p>
+        </p:txBody>
+      </p:sp>
+      <p:sp>
+        <p:nvSpPr>
+          <p:cNvPr id="4" name="Symbol zastępczy stopki 3">
+            <a:extLst>
+              <a:ext uri="{FF2B5EF4-FFF2-40B4-BE49-F238E27FC236}">
+                <a16:creationId xmlns:a16="http://schemas.microsoft.com/office/drawing/2014/main" id="{3ECC8FA7-EB74-4FA7-A4ED-51B11EF4759A}"/>
+              </a:ext>
+            </a:extLst>
+          </p:cNvPr>
+          <p:cNvSpPr>
+            <a:spLocks noGrp="1"/>
+          </p:cNvSpPr>
+          <p:nvPr>
+            <p:ph type="ftr" sz="quarter" idx="11"/>
+          </p:nvPr>
+        </p:nvSpPr>
+        <p:spPr/>
+        <p:txBody>
+          <a:bodyPr/>
+          <a:lstStyle/>
+          <a:p>
+            <a:r>
+              <a:rPr lang="pl-PL"/>
+              <a:t>autor: Michał Ożibko</a:t>
+            </a:r>
+          </a:p>
+        </p:txBody>
+      </p:sp>
+      <p:sp>
+        <p:nvSpPr>
+          <p:cNvPr id="5" name="Symbol zastępczy numeru slajdu 4">
+            <a:extLst>
+              <a:ext uri="{FF2B5EF4-FFF2-40B4-BE49-F238E27FC236}">
+                <a16:creationId xmlns:a16="http://schemas.microsoft.com/office/drawing/2014/main" id="{18172A65-7E61-4BE6-85BF-8D2587AA873B}"/>
+              </a:ext>
+            </a:extLst>
+          </p:cNvPr>
+          <p:cNvSpPr>
+            <a:spLocks noGrp="1"/>
+          </p:cNvSpPr>
+          <p:nvPr>
+            <p:ph type="sldNum" sz="quarter" idx="12"/>
+          </p:nvPr>
+        </p:nvSpPr>
+        <p:spPr/>
+        <p:txBody>
+          <a:bodyPr/>
+          <a:lstStyle/>
+          <a:p>
+            <a:fld id="{806354AA-33AD-4849-81BA-3FB3F4B3EC4E}" type="slidenum">
+              <a:rPr lang="pl-PL" smtClean="0"/>
+              <a:t>10</a:t>
+            </a:fld>
+            <a:endParaRPr lang="pl-PL"/>
+          </a:p>
+        </p:txBody>
+      </p:sp>
+      <p:pic>
+        <p:nvPicPr>
+          <p:cNvPr id="6148" name="Picture 4" descr="Znalezione obrazy dla zapytania protractor logo">
+            <a:extLst>
+              <a:ext uri="{FF2B5EF4-FFF2-40B4-BE49-F238E27FC236}">
+                <a16:creationId xmlns:a16="http://schemas.microsoft.com/office/drawing/2014/main" id="{C38EBB6D-9325-4C2D-B891-FFF772397A9A}"/>
+              </a:ext>
+            </a:extLst>
+          </p:cNvPr>
+          <p:cNvPicPr>
+            <a:picLocks noChangeAspect="1" noChangeArrowheads="1"/>
+          </p:cNvPicPr>
+          <p:nvPr/>
+        </p:nvPicPr>
+        <p:blipFill>
+          <a:blip r:embed="rId2">
+            <a:extLst>
+              <a:ext uri="{28A0092B-C50C-407E-A947-70E740481C1C}">
+                <a14:useLocalDpi xmlns:a14="http://schemas.microsoft.com/office/drawing/2010/main" val="0"/>
+              </a:ext>
+            </a:extLst>
+          </a:blip>
+          <a:srcRect/>
+          <a:stretch>
+            <a:fillRect/>
+          </a:stretch>
+        </p:blipFill>
+        <p:spPr bwMode="auto">
+          <a:xfrm>
+            <a:off x="7598421" y="5401409"/>
+            <a:ext cx="3305953" cy="745392"/>
+          </a:xfrm>
+          <a:prstGeom prst="rect">
+            <a:avLst/>
+          </a:prstGeom>
+          <a:noFill/>
+          <a:extLst>
+            <a:ext uri="{909E8E84-426E-40DD-AFC4-6F175D3DCCD1}">
+              <a14:hiddenFill xmlns:a14="http://schemas.microsoft.com/office/drawing/2010/main">
+                <a:solidFill>
+                  <a:srgbClr val="FFFFFF"/>
+                </a:solidFill>
+              </a14:hiddenFill>
+            </a:ext>
+          </a:extLst>
+        </p:spPr>
+      </p:pic>
+    </p:spTree>
+    <p:extLst>
+      <p:ext uri="{BB962C8B-B14F-4D97-AF65-F5344CB8AC3E}">
+        <p14:creationId xmlns:p14="http://schemas.microsoft.com/office/powerpoint/2010/main" val="1746654001"/>
+      </p:ext>
+    </p:extLst>
+  </p:cSld>
+  <p:clrMapOvr>
+    <a:masterClrMapping/>
+  </p:clrMapOvr>
+</p:sld>
+</file>
+
+<file path=ppt/slides/slide11.xml><?xml version="1.0" encoding="utf-8"?>
+<p:sld xmlns:a="http://schemas.openxmlformats.org/drawingml/2006/main" xmlns:r="http://schemas.openxmlformats.org/officeDocument/2006/relationships" xmlns:p="http://schemas.openxmlformats.org/presentationml/2006/main">
+  <p:cSld>
+    <p:spTree>
+      <p:nvGrpSpPr>
+        <p:cNvPr id="1" name=""/>
+        <p:cNvGrpSpPr/>
+        <p:nvPr/>
+      </p:nvGrpSpPr>
+      <p:grpSpPr>
+        <a:xfrm>
+          <a:off x="0" y="0"/>
+          <a:ext cx="0" cy="0"/>
+          <a:chOff x="0" y="0"/>
+          <a:chExt cx="0" cy="0"/>
+        </a:xfrm>
+      </p:grpSpPr>
+      <p:sp>
+        <p:nvSpPr>
+          <p:cNvPr id="2" name="Tytuł 1">
+            <a:extLst>
+              <a:ext uri="{FF2B5EF4-FFF2-40B4-BE49-F238E27FC236}">
                 <a16:creationId xmlns:a16="http://schemas.microsoft.com/office/drawing/2014/main" id="{4EFCA3BE-EE8F-405D-9D17-657AFBC0E3C4}"/>
               </a:ext>
             </a:extLst>
@@ -9714,7 +10113,7 @@
           <a:p>
             <a:fld id="{806354AA-33AD-4849-81BA-3FB3F4B3EC4E}" type="slidenum">
               <a:rPr lang="pl-PL" smtClean="0"/>
-              <a:t>10</a:t>
+              <a:t>11</a:t>
             </a:fld>
             <a:endParaRPr lang="pl-PL"/>
           </a:p>
@@ -9780,7 +10179,7 @@
 </p:sld>
 </file>
 
-<file path=ppt/slides/slide11.xml><?xml version="1.0" encoding="utf-8"?>
+<file path=ppt/slides/slide12.xml><?xml version="1.0" encoding="utf-8"?>
 <p:sld xmlns:a="http://schemas.openxmlformats.org/drawingml/2006/main" xmlns:r="http://schemas.openxmlformats.org/officeDocument/2006/relationships" xmlns:p="http://schemas.openxmlformats.org/presentationml/2006/main">
   <p:cSld>
     <p:spTree>
@@ -9967,7 +10366,7 @@
           <a:p>
             <a:fld id="{806354AA-33AD-4849-81BA-3FB3F4B3EC4E}" type="slidenum">
               <a:rPr lang="pl-PL" smtClean="0"/>
-              <a:t>11</a:t>
+              <a:t>12</a:t>
             </a:fld>
             <a:endParaRPr lang="pl-PL"/>
           </a:p>
@@ -10033,276 +10432,6 @@
 </p:sld>
 </file>
 
-<file path=ppt/slides/slide12.xml><?xml version="1.0" encoding="utf-8"?>
-<p:sld xmlns:a="http://schemas.openxmlformats.org/drawingml/2006/main" xmlns:r="http://schemas.openxmlformats.org/officeDocument/2006/relationships" xmlns:p="http://schemas.openxmlformats.org/presentationml/2006/main">
-  <p:cSld>
-    <p:spTree>
-      <p:nvGrpSpPr>
-        <p:cNvPr id="1" name=""/>
-        <p:cNvGrpSpPr/>
-        <p:nvPr/>
-      </p:nvGrpSpPr>
-      <p:grpSpPr>
-        <a:xfrm>
-          <a:off x="0" y="0"/>
-          <a:ext cx="0" cy="0"/>
-          <a:chOff x="0" y="0"/>
-          <a:chExt cx="0" cy="0"/>
-        </a:xfrm>
-      </p:grpSpPr>
-      <p:sp>
-        <p:nvSpPr>
-          <p:cNvPr id="2" name="Tytuł 1">
-            <a:extLst>
-              <a:ext uri="{FF2B5EF4-FFF2-40B4-BE49-F238E27FC236}">
-                <a16:creationId xmlns:a16="http://schemas.microsoft.com/office/drawing/2014/main" id="{7349E086-F488-45AC-88D0-02E457CF49FC}"/>
-              </a:ext>
-            </a:extLst>
-          </p:cNvPr>
-          <p:cNvSpPr>
-            <a:spLocks noGrp="1"/>
-          </p:cNvSpPr>
-          <p:nvPr>
-            <p:ph type="title"/>
-          </p:nvPr>
-        </p:nvSpPr>
-        <p:spPr/>
-        <p:txBody>
-          <a:bodyPr/>
-          <a:lstStyle/>
-          <a:p>
-            <a:r>
-              <a:rPr lang="pl-PL" dirty="0"/>
-              <a:t>Zadania praktyczne</a:t>
-            </a:r>
-          </a:p>
-        </p:txBody>
-      </p:sp>
-      <p:sp>
-        <p:nvSpPr>
-          <p:cNvPr id="3" name="Symbol zastępczy zawartości 2">
-            <a:extLst>
-              <a:ext uri="{FF2B5EF4-FFF2-40B4-BE49-F238E27FC236}">
-                <a16:creationId xmlns:a16="http://schemas.microsoft.com/office/drawing/2014/main" id="{AD0F2502-56E2-46BE-953E-1B09CBF4BDD4}"/>
-              </a:ext>
-            </a:extLst>
-          </p:cNvPr>
-          <p:cNvSpPr>
-            <a:spLocks noGrp="1"/>
-          </p:cNvSpPr>
-          <p:nvPr>
-            <p:ph idx="1"/>
-          </p:nvPr>
-        </p:nvSpPr>
-        <p:spPr/>
-        <p:txBody>
-          <a:bodyPr/>
-          <a:lstStyle/>
-          <a:p>
-            <a:pPr marL="514350" indent="-514350">
-              <a:buAutoNum type="arabicPeriod"/>
-            </a:pPr>
-            <a:r>
-              <a:rPr lang="pl-PL" dirty="0"/>
-              <a:t>Konfiguracja środowiska, niezbędne instalacje:</a:t>
-            </a:r>
-          </a:p>
-          <a:p>
-            <a:pPr lvl="1"/>
-            <a:r>
-              <a:rPr lang="pl-PL" dirty="0" err="1"/>
-              <a:t>NodeJS</a:t>
-            </a:r>
-            <a:r>
-              <a:rPr lang="pl-PL" dirty="0"/>
-              <a:t>: </a:t>
-            </a:r>
-            <a:r>
-              <a:rPr lang="pl-PL" dirty="0">
-                <a:hlinkClick r:id="rId2"/>
-              </a:rPr>
-              <a:t>https://nodejs.org/en/</a:t>
-            </a:r>
-            <a:endParaRPr lang="pl-PL" dirty="0"/>
-          </a:p>
-          <a:p>
-            <a:pPr lvl="1"/>
-            <a:r>
-              <a:rPr lang="pl-PL" dirty="0" err="1"/>
-              <a:t>VisualStudio</a:t>
-            </a:r>
-            <a:r>
-              <a:rPr lang="pl-PL" dirty="0"/>
-              <a:t> </a:t>
-            </a:r>
-            <a:r>
-              <a:rPr lang="pl-PL" dirty="0" err="1"/>
-              <a:t>Code</a:t>
-            </a:r>
-            <a:r>
-              <a:rPr lang="pl-PL" dirty="0"/>
-              <a:t>: </a:t>
-            </a:r>
-            <a:r>
-              <a:rPr lang="pl-PL" dirty="0">
-                <a:hlinkClick r:id="rId3"/>
-              </a:rPr>
-              <a:t>https://code.visualstudio.com</a:t>
-            </a:r>
-            <a:endParaRPr lang="pl-PL" dirty="0"/>
-          </a:p>
-          <a:p>
-            <a:pPr lvl="1"/>
-            <a:r>
-              <a:rPr lang="pl-PL" dirty="0" err="1"/>
-              <a:t>JavaSE</a:t>
-            </a:r>
-            <a:r>
-              <a:rPr lang="pl-PL" dirty="0"/>
-              <a:t>: </a:t>
-            </a:r>
-            <a:r>
-              <a:rPr lang="pl-PL" dirty="0">
-                <a:hlinkClick r:id="rId4"/>
-              </a:rPr>
-              <a:t>http://www.oracle.com/technetwork/java/javase/downloads/index.html</a:t>
-            </a:r>
-            <a:endParaRPr lang="pl-PL" dirty="0"/>
-          </a:p>
-          <a:p>
-            <a:pPr lvl="1"/>
-            <a:r>
-              <a:rPr lang="pl-PL" dirty="0" err="1"/>
-              <a:t>Selenium</a:t>
-            </a:r>
-            <a:r>
-              <a:rPr lang="pl-PL" dirty="0"/>
-              <a:t> </a:t>
-            </a:r>
-            <a:r>
-              <a:rPr lang="pl-PL" dirty="0" err="1"/>
-              <a:t>Grid</a:t>
-            </a:r>
-            <a:r>
-              <a:rPr lang="pl-PL" dirty="0"/>
-              <a:t> 2.41.0: </a:t>
-            </a:r>
-            <a:r>
-              <a:rPr lang="pl-PL" dirty="0">
-                <a:hlinkClick r:id="rId5"/>
-              </a:rPr>
-              <a:t>http://selenium-release.storage.googleapis.com/index.html</a:t>
-            </a:r>
-            <a:endParaRPr lang="pl-PL" dirty="0"/>
-          </a:p>
-          <a:p>
-            <a:pPr lvl="1"/>
-            <a:r>
-              <a:rPr lang="pl-PL" dirty="0" err="1"/>
-              <a:t>Protractor</a:t>
-            </a:r>
-            <a:r>
-              <a:rPr lang="pl-PL" dirty="0"/>
-              <a:t>: </a:t>
-            </a:r>
-            <a:r>
-              <a:rPr lang="pl-PL" dirty="0" err="1"/>
-              <a:t>npm</a:t>
-            </a:r>
-            <a:r>
-              <a:rPr lang="pl-PL" dirty="0"/>
-              <a:t> </a:t>
-            </a:r>
-            <a:r>
-              <a:rPr lang="pl-PL" dirty="0" err="1"/>
-              <a:t>install</a:t>
-            </a:r>
-            <a:r>
-              <a:rPr lang="pl-PL" dirty="0"/>
-              <a:t> –g </a:t>
-            </a:r>
-            <a:r>
-              <a:rPr lang="pl-PL" dirty="0" err="1"/>
-              <a:t>protractor</a:t>
-            </a:r>
-            <a:endParaRPr lang="pl-PL" dirty="0"/>
-          </a:p>
-          <a:p>
-            <a:pPr lvl="1"/>
-            <a:endParaRPr lang="pl-PL" dirty="0"/>
-          </a:p>
-        </p:txBody>
-      </p:sp>
-      <p:sp>
-        <p:nvSpPr>
-          <p:cNvPr id="4" name="Symbol zastępczy stopki 3">
-            <a:extLst>
-              <a:ext uri="{FF2B5EF4-FFF2-40B4-BE49-F238E27FC236}">
-                <a16:creationId xmlns:a16="http://schemas.microsoft.com/office/drawing/2014/main" id="{06113949-FA66-4826-9985-70876E855B66}"/>
-              </a:ext>
-            </a:extLst>
-          </p:cNvPr>
-          <p:cNvSpPr>
-            <a:spLocks noGrp="1"/>
-          </p:cNvSpPr>
-          <p:nvPr>
-            <p:ph type="ftr" sz="quarter" idx="11"/>
-          </p:nvPr>
-        </p:nvSpPr>
-        <p:spPr/>
-        <p:txBody>
-          <a:bodyPr/>
-          <a:lstStyle/>
-          <a:p>
-            <a:r>
-              <a:rPr lang="pl-PL"/>
-              <a:t>autor: Michał Ożibko</a:t>
-            </a:r>
-          </a:p>
-        </p:txBody>
-      </p:sp>
-      <p:sp>
-        <p:nvSpPr>
-          <p:cNvPr id="5" name="Symbol zastępczy numeru slajdu 4">
-            <a:extLst>
-              <a:ext uri="{FF2B5EF4-FFF2-40B4-BE49-F238E27FC236}">
-                <a16:creationId xmlns:a16="http://schemas.microsoft.com/office/drawing/2014/main" id="{4AC5A9FA-5FFD-44E0-8461-B2757C5E14E6}"/>
-              </a:ext>
-            </a:extLst>
-          </p:cNvPr>
-          <p:cNvSpPr>
-            <a:spLocks noGrp="1"/>
-          </p:cNvSpPr>
-          <p:nvPr>
-            <p:ph type="sldNum" sz="quarter" idx="12"/>
-          </p:nvPr>
-        </p:nvSpPr>
-        <p:spPr/>
-        <p:txBody>
-          <a:bodyPr/>
-          <a:lstStyle/>
-          <a:p>
-            <a:fld id="{806354AA-33AD-4849-81BA-3FB3F4B3EC4E}" type="slidenum">
-              <a:rPr lang="pl-PL" smtClean="0"/>
-              <a:t>12</a:t>
-            </a:fld>
-            <a:endParaRPr lang="pl-PL"/>
-          </a:p>
-        </p:txBody>
-      </p:sp>
-    </p:spTree>
-    <p:extLst>
-      <p:ext uri="{BB962C8B-B14F-4D97-AF65-F5344CB8AC3E}">
-        <p14:creationId xmlns:p14="http://schemas.microsoft.com/office/powerpoint/2010/main" val="1361136174"/>
-      </p:ext>
-    </p:extLst>
-  </p:cSld>
-  <p:clrMapOvr>
-    <a:masterClrMapping/>
-  </p:clrMapOvr>
-</p:sld>
-</file>
-
 <file path=ppt/slides/slide13.xml><?xml version="1.0" encoding="utf-8"?>
 <p:sld xmlns:a="http://schemas.openxmlformats.org/drawingml/2006/main" xmlns:r="http://schemas.openxmlformats.org/officeDocument/2006/relationships" xmlns:p="http://schemas.openxmlformats.org/presentationml/2006/main">
   <p:cSld>
@@ -10325,7 +10454,7 @@
           <p:cNvPr id="2" name="Tytuł 1">
             <a:extLst>
               <a:ext uri="{FF2B5EF4-FFF2-40B4-BE49-F238E27FC236}">
-                <a16:creationId xmlns:a16="http://schemas.microsoft.com/office/drawing/2014/main" id="{4199FF21-38C5-4A12-9C3B-133642EBDF2C}"/>
+                <a16:creationId xmlns:a16="http://schemas.microsoft.com/office/drawing/2014/main" id="{7349E086-F488-45AC-88D0-02E457CF49FC}"/>
               </a:ext>
             </a:extLst>
           </p:cNvPr>
@@ -10343,7 +10472,7 @@
           <a:p>
             <a:r>
               <a:rPr lang="pl-PL" dirty="0"/>
-              <a:t>Zadania praktyczne cd.</a:t>
+              <a:t>Zadania praktyczne</a:t>
             </a:r>
           </a:p>
         </p:txBody>
@@ -10353,7 +10482,7 @@
           <p:cNvPr id="3" name="Symbol zastępczy zawartości 2">
             <a:extLst>
               <a:ext uri="{FF2B5EF4-FFF2-40B4-BE49-F238E27FC236}">
-                <a16:creationId xmlns:a16="http://schemas.microsoft.com/office/drawing/2014/main" id="{BFA5C5BF-8B09-4358-AE5A-3A8C188BFF94}"/>
+                <a16:creationId xmlns:a16="http://schemas.microsoft.com/office/drawing/2014/main" id="{AD0F2502-56E2-46BE-953E-1B09CBF4BDD4}"/>
               </a:ext>
             </a:extLst>
           </p:cNvPr>
@@ -10369,104 +10498,136 @@
           <a:bodyPr/>
           <a:lstStyle/>
           <a:p>
-            <a:pPr marL="0" indent="0">
-              <a:buNone/>
+            <a:pPr marL="514350" indent="-514350">
+              <a:buAutoNum type="arabicPeriod"/>
             </a:pPr>
             <a:r>
               <a:rPr lang="pl-PL" dirty="0"/>
-              <a:t>2. Uruchomienie pierwszego testu automatycznego napisanego w </a:t>
-            </a:r>
+              <a:t>Konfiguracja środowiska, niezbędne instalacje:</a:t>
+            </a:r>
+          </a:p>
+          <a:p>
+            <a:pPr lvl="1"/>
             <a:r>
               <a:rPr lang="pl-PL" dirty="0" err="1"/>
-              <a:t>protractor</a:t>
-            </a:r>
-            <a:r>
-              <a:rPr lang="pl-PL" dirty="0"/>
-              <a:t>, przykład z oficjalnej strony: </a:t>
+              <a:t>NodeJS</a:t>
+            </a:r>
+            <a:r>
+              <a:rPr lang="pl-PL" dirty="0"/>
+              <a:t>: </a:t>
             </a:r>
             <a:r>
               <a:rPr lang="pl-PL" dirty="0">
                 <a:hlinkClick r:id="rId2"/>
               </a:rPr>
-              <a:t>https://www.protractortest.org/#/</a:t>
+              <a:t>https://nodejs.org/en/</a:t>
             </a:r>
             <a:endParaRPr lang="pl-PL" dirty="0"/>
           </a:p>
           <a:p>
-            <a:pPr marL="0" indent="0">
-              <a:buNone/>
-            </a:pPr>
-            <a:endParaRPr lang="pl-PL" dirty="0"/>
-          </a:p>
-          <a:p>
-            <a:pPr marL="0" indent="0">
-              <a:buNone/>
-            </a:pPr>
-            <a:r>
-              <a:rPr lang="pl-PL" dirty="0"/>
-              <a:t>3. Utworzenie 1 testu </a:t>
-            </a:r>
+            <a:pPr lvl="1"/>
             <a:r>
               <a:rPr lang="pl-PL" dirty="0" err="1"/>
-              <a:t>RestAPI</a:t>
-            </a:r>
-            <a:r>
-              <a:rPr lang="pl-PL" dirty="0"/>
-              <a:t> wykorzystując bibliotekę </a:t>
+              <a:t>VisualStudio</a:t>
+            </a:r>
+            <a:r>
+              <a:rPr lang="pl-PL" dirty="0"/>
+              <a:t> </a:t>
             </a:r>
             <a:r>
               <a:rPr lang="pl-PL" dirty="0" err="1"/>
-              <a:t>request</a:t>
-            </a:r>
-            <a:r>
-              <a:rPr lang="pl-PL" dirty="0"/>
-              <a:t>:</a:t>
-            </a:r>
-          </a:p>
-          <a:p>
-            <a:pPr lvl="1"/>
-            <a:r>
-              <a:rPr lang="pl-PL" dirty="0"/>
-              <a:t>Instalacja biblioteki lokalnie</a:t>
-            </a:r>
-          </a:p>
-          <a:p>
-            <a:pPr lvl="1"/>
-            <a:r>
-              <a:rPr lang="pl-PL" dirty="0"/>
-              <a:t>Zapytanie do serwisu: </a:t>
+              <a:t>Code</a:t>
+            </a:r>
+            <a:r>
+              <a:rPr lang="pl-PL" dirty="0"/>
+              <a:t>: </a:t>
             </a:r>
             <a:r>
               <a:rPr lang="pl-PL" dirty="0">
                 <a:hlinkClick r:id="rId3"/>
               </a:rPr>
-              <a:t>https://jsonplaceholder.typicode.com/posts/?userId=5</a:t>
+              <a:t>https://code.visualstudio.com</a:t>
             </a:r>
             <a:endParaRPr lang="pl-PL" dirty="0"/>
           </a:p>
           <a:p>
             <a:pPr lvl="1"/>
             <a:r>
-              <a:rPr lang="pl-PL" dirty="0"/>
-              <a:t>Weryfikacja czy odpowiedź jest 200</a:t>
-            </a:r>
-          </a:p>
-          <a:p>
-            <a:pPr marL="0" indent="0">
-              <a:buNone/>
-            </a:pPr>
+              <a:rPr lang="pl-PL" dirty="0" err="1"/>
+              <a:t>JavaSE</a:t>
+            </a:r>
+            <a:r>
+              <a:rPr lang="pl-PL" dirty="0"/>
+              <a:t>: </a:t>
+            </a:r>
+            <a:r>
+              <a:rPr lang="pl-PL" dirty="0">
+                <a:hlinkClick r:id="rId4"/>
+              </a:rPr>
+              <a:t>http://www.oracle.com/technetwork/java/javase/downloads/index.html</a:t>
+            </a:r>
             <a:endParaRPr lang="pl-PL" dirty="0"/>
           </a:p>
           <a:p>
-            <a:pPr marL="0" indent="0">
-              <a:buNone/>
-            </a:pPr>
+            <a:pPr lvl="1"/>
+            <a:r>
+              <a:rPr lang="pl-PL" dirty="0" err="1"/>
+              <a:t>Selenium</a:t>
+            </a:r>
+            <a:r>
+              <a:rPr lang="pl-PL" dirty="0"/>
+              <a:t> </a:t>
+            </a:r>
+            <a:r>
+              <a:rPr lang="pl-PL" dirty="0" err="1"/>
+              <a:t>Grid</a:t>
+            </a:r>
+            <a:r>
+              <a:rPr lang="pl-PL" dirty="0"/>
+              <a:t> 2.41.0: </a:t>
+            </a:r>
+            <a:r>
+              <a:rPr lang="pl-PL" dirty="0">
+                <a:hlinkClick r:id="rId5"/>
+              </a:rPr>
+              <a:t>http://selenium-release.storage.googleapis.com/index.html</a:t>
+            </a:r>
             <a:endParaRPr lang="pl-PL" dirty="0"/>
           </a:p>
           <a:p>
-            <a:pPr marL="0" indent="0">
-              <a:buNone/>
-            </a:pPr>
+            <a:pPr lvl="1"/>
+            <a:r>
+              <a:rPr lang="pl-PL" dirty="0" err="1"/>
+              <a:t>Protractor</a:t>
+            </a:r>
+            <a:r>
+              <a:rPr lang="pl-PL" dirty="0"/>
+              <a:t>: </a:t>
+            </a:r>
+            <a:r>
+              <a:rPr lang="pl-PL" dirty="0" err="1"/>
+              <a:t>npm</a:t>
+            </a:r>
+            <a:r>
+              <a:rPr lang="pl-PL" dirty="0"/>
+              <a:t> </a:t>
+            </a:r>
+            <a:r>
+              <a:rPr lang="pl-PL" dirty="0" err="1"/>
+              <a:t>install</a:t>
+            </a:r>
+            <a:r>
+              <a:rPr lang="pl-PL" dirty="0"/>
+              <a:t> –g </a:t>
+            </a:r>
+            <a:r>
+              <a:rPr lang="pl-PL" dirty="0" err="1"/>
+              <a:t>protractor</a:t>
+            </a:r>
+            <a:endParaRPr lang="pl-PL" dirty="0"/>
+          </a:p>
+          <a:p>
+            <a:pPr lvl="1"/>
             <a:endParaRPr lang="pl-PL" dirty="0"/>
           </a:p>
         </p:txBody>
@@ -10476,7 +10637,7 @@
           <p:cNvPr id="4" name="Symbol zastępczy stopki 3">
             <a:extLst>
               <a:ext uri="{FF2B5EF4-FFF2-40B4-BE49-F238E27FC236}">
-                <a16:creationId xmlns:a16="http://schemas.microsoft.com/office/drawing/2014/main" id="{3DB42DC8-D52C-458F-B9D4-95DF039BDFA7}"/>
+                <a16:creationId xmlns:a16="http://schemas.microsoft.com/office/drawing/2014/main" id="{06113949-FA66-4826-9985-70876E855B66}"/>
               </a:ext>
             </a:extLst>
           </p:cNvPr>
@@ -10504,7 +10665,7 @@
           <p:cNvPr id="5" name="Symbol zastępczy numeru slajdu 4">
             <a:extLst>
               <a:ext uri="{FF2B5EF4-FFF2-40B4-BE49-F238E27FC236}">
-                <a16:creationId xmlns:a16="http://schemas.microsoft.com/office/drawing/2014/main" id="{44A5E2A8-7D64-423F-B5D5-01E96A2284D7}"/>
+                <a16:creationId xmlns:a16="http://schemas.microsoft.com/office/drawing/2014/main" id="{4AC5A9FA-5FFD-44E0-8461-B2757C5E14E6}"/>
               </a:ext>
             </a:extLst>
           </p:cNvPr>
@@ -10531,7 +10692,7 @@
     </p:spTree>
     <p:extLst>
       <p:ext uri="{BB962C8B-B14F-4D97-AF65-F5344CB8AC3E}">
-        <p14:creationId xmlns:p14="http://schemas.microsoft.com/office/powerpoint/2010/main" val="3480055732"/>
+        <p14:creationId xmlns:p14="http://schemas.microsoft.com/office/powerpoint/2010/main" val="1361136174"/>
       </p:ext>
     </p:extLst>
   </p:cSld>
@@ -10563,7 +10724,7 @@
           <p:cNvPr id="2" name="Tytuł 1">
             <a:extLst>
               <a:ext uri="{FF2B5EF4-FFF2-40B4-BE49-F238E27FC236}">
-                <a16:creationId xmlns:a16="http://schemas.microsoft.com/office/drawing/2014/main" id="{9048927C-2F16-488B-AA41-B44957C34CA8}"/>
+                <a16:creationId xmlns:a16="http://schemas.microsoft.com/office/drawing/2014/main" id="{4199FF21-38C5-4A12-9C3B-133642EBDF2C}"/>
               </a:ext>
             </a:extLst>
           </p:cNvPr>
@@ -10591,7 +10752,7 @@
           <p:cNvPr id="3" name="Symbol zastępczy zawartości 2">
             <a:extLst>
               <a:ext uri="{FF2B5EF4-FFF2-40B4-BE49-F238E27FC236}">
-                <a16:creationId xmlns:a16="http://schemas.microsoft.com/office/drawing/2014/main" id="{E5FD8BDC-5F96-4CBD-89AB-E1A5DFE2192D}"/>
+                <a16:creationId xmlns:a16="http://schemas.microsoft.com/office/drawing/2014/main" id="{BFA5C5BF-8B09-4358-AE5A-3A8C188BFF94}"/>
               </a:ext>
             </a:extLst>
           </p:cNvPr>
@@ -10604,93 +10765,53 @@
         </p:nvSpPr>
         <p:spPr/>
         <p:txBody>
-          <a:bodyPr>
-            <a:normAutofit fontScale="40000" lnSpcReduction="20000"/>
-          </a:bodyPr>
+          <a:bodyPr/>
           <a:lstStyle/>
           <a:p>
             <a:pPr marL="0" indent="0">
               <a:buNone/>
             </a:pPr>
             <a:r>
-              <a:rPr lang="pl-PL" b="1" dirty="0"/>
-              <a:t>4. Debugowanie kodu, ustawienia </a:t>
-            </a:r>
-            <a:r>
-              <a:rPr lang="pl-PL" b="1" dirty="0" err="1"/>
-              <a:t>VisualStudio</a:t>
-            </a:r>
-            <a:r>
-              <a:rPr lang="pl-PL" b="1" dirty="0"/>
-              <a:t> </a:t>
-            </a:r>
-            <a:r>
-              <a:rPr lang="pl-PL" b="1" dirty="0" err="1"/>
-              <a:t>Code</a:t>
-            </a:r>
-            <a:r>
-              <a:rPr lang="pl-PL" b="1" dirty="0"/>
-              <a:t>:</a:t>
-            </a:r>
+              <a:rPr lang="pl-PL" dirty="0"/>
+              <a:t>2. Uruchomienie pierwszego testu automatycznego napisanego w </a:t>
+            </a:r>
+            <a:r>
+              <a:rPr lang="pl-PL" dirty="0" err="1"/>
+              <a:t>protractor</a:t>
+            </a:r>
+            <a:r>
+              <a:rPr lang="pl-PL" dirty="0"/>
+              <a:t>, przykład z oficjalnej strony: </a:t>
+            </a:r>
+            <a:r>
+              <a:rPr lang="pl-PL" dirty="0">
+                <a:hlinkClick r:id="rId2"/>
+              </a:rPr>
+              <a:t>https://www.protractortest.org/#/</a:t>
+            </a:r>
+            <a:endParaRPr lang="pl-PL" dirty="0"/>
           </a:p>
           <a:p>
             <a:pPr marL="0" indent="0">
               <a:buNone/>
             </a:pPr>
-            <a:r>
-              <a:rPr lang="pl-PL" dirty="0"/>
-              <a:t>"</a:t>
+            <a:endParaRPr lang="pl-PL" dirty="0"/>
+          </a:p>
+          <a:p>
+            <a:pPr marL="0" indent="0">
+              <a:buNone/>
+            </a:pPr>
+            <a:r>
+              <a:rPr lang="pl-PL" dirty="0"/>
+              <a:t>3. Utworzenie 1 testu </a:t>
             </a:r>
             <a:r>
               <a:rPr lang="pl-PL" dirty="0" err="1"/>
-              <a:t>configurations</a:t>
-            </a:r>
-            <a:r>
-              <a:rPr lang="pl-PL" dirty="0"/>
-              <a:t>": [</a:t>
-            </a:r>
-          </a:p>
-          <a:p>
-            <a:pPr marL="0" indent="0">
-              <a:buNone/>
-            </a:pPr>
-            <a:r>
-              <a:rPr lang="pl-PL" dirty="0"/>
-              <a:t>{</a:t>
-            </a:r>
-          </a:p>
-          <a:p>
-            <a:pPr marL="0" indent="0">
-              <a:buNone/>
-            </a:pPr>
-            <a:r>
-              <a:rPr lang="pl-PL" dirty="0"/>
-              <a:t>	"</a:t>
-            </a:r>
-            <a:r>
-              <a:rPr lang="pl-PL" dirty="0" err="1"/>
-              <a:t>type</a:t>
-            </a:r>
-            <a:r>
-              <a:rPr lang="pl-PL" dirty="0"/>
-              <a:t>": "</a:t>
-            </a:r>
-            <a:r>
-              <a:rPr lang="pl-PL" dirty="0" err="1"/>
-              <a:t>node</a:t>
-            </a:r>
-            <a:r>
-              <a:rPr lang="pl-PL" dirty="0"/>
-              <a:t>",</a:t>
-            </a:r>
-          </a:p>
-          <a:p>
-            <a:pPr marL="0" indent="0">
-              <a:buNone/>
-            </a:pPr>
-            <a:r>
-              <a:rPr lang="pl-PL" dirty="0"/>
-              <a:t>	"</a:t>
+              <a:t>RestAPI</a:t>
+            </a:r>
+            <a:r>
+              <a:rPr lang="pl-PL" dirty="0"/>
+              <a:t> wykorzystując bibliotekę </a:t>
             </a:r>
             <a:r>
               <a:rPr lang="pl-PL" dirty="0" err="1"/>
@@ -10698,168 +10819,35 @@
             </a:r>
             <a:r>
               <a:rPr lang="pl-PL" dirty="0"/>
-              <a:t>": "</a:t>
-            </a:r>
-            <a:r>
-              <a:rPr lang="pl-PL" dirty="0" err="1"/>
-              <a:t>launch</a:t>
-            </a:r>
-            <a:r>
-              <a:rPr lang="pl-PL" dirty="0"/>
-              <a:t>",</a:t>
-            </a:r>
-          </a:p>
-          <a:p>
-            <a:pPr marL="0" indent="0">
-              <a:buNone/>
-            </a:pPr>
-            <a:r>
-              <a:rPr lang="pl-PL" dirty="0"/>
-              <a:t>	"</a:t>
-            </a:r>
-            <a:r>
-              <a:rPr lang="pl-PL" dirty="0" err="1"/>
-              <a:t>name</a:t>
-            </a:r>
-            <a:r>
-              <a:rPr lang="pl-PL" dirty="0"/>
-              <a:t>": "</a:t>
-            </a:r>
-            <a:r>
-              <a:rPr lang="pl-PL" dirty="0" err="1"/>
-              <a:t>Jasmine</a:t>
-            </a:r>
-            <a:r>
-              <a:rPr lang="pl-PL" dirty="0"/>
-              <a:t> </a:t>
-            </a:r>
-            <a:r>
-              <a:rPr lang="pl-PL" dirty="0" err="1"/>
-              <a:t>Individual</a:t>
-            </a:r>
-            <a:r>
-              <a:rPr lang="pl-PL" dirty="0"/>
-              <a:t> Test",</a:t>
-            </a:r>
-          </a:p>
-          <a:p>
-            <a:pPr marL="0" indent="0">
-              <a:buNone/>
-            </a:pPr>
-            <a:r>
-              <a:rPr lang="pl-PL" dirty="0"/>
-              <a:t>	"program": "${</a:t>
-            </a:r>
-            <a:r>
-              <a:rPr lang="pl-PL" dirty="0" err="1"/>
-              <a:t>workspaceRoot</a:t>
-            </a:r>
-            <a:r>
-              <a:rPr lang="pl-PL" dirty="0"/>
-              <a:t>}\\</a:t>
-            </a:r>
-            <a:r>
-              <a:rPr lang="pl-PL" dirty="0" err="1"/>
-              <a:t>node_modules</a:t>
-            </a:r>
-            <a:r>
-              <a:rPr lang="pl-PL" dirty="0"/>
-              <a:t>\\</a:t>
-            </a:r>
-            <a:r>
-              <a:rPr lang="pl-PL" dirty="0" err="1"/>
-              <a:t>jasmine</a:t>
-            </a:r>
-            <a:r>
-              <a:rPr lang="pl-PL" dirty="0"/>
-              <a:t>\\bin\\jasmine.js",</a:t>
-            </a:r>
-          </a:p>
-          <a:p>
-            <a:pPr marL="0" indent="0">
-              <a:buNone/>
-            </a:pPr>
-            <a:r>
-              <a:rPr lang="pl-PL" dirty="0"/>
-              <a:t>	"</a:t>
-            </a:r>
-            <a:r>
-              <a:rPr lang="pl-PL" dirty="0" err="1"/>
-              <a:t>args</a:t>
-            </a:r>
-            <a:r>
-              <a:rPr lang="pl-PL" dirty="0"/>
-              <a:t>": [ </a:t>
-            </a:r>
-          </a:p>
-          <a:p>
-            <a:pPr marL="0" indent="0">
-              <a:buNone/>
-            </a:pPr>
-            <a:r>
-              <a:rPr lang="pl-PL" dirty="0"/>
-              <a:t>	"</a:t>
-            </a:r>
-            <a:r>
-              <a:rPr lang="pl-PL" dirty="0" err="1"/>
-              <a:t>tests</a:t>
-            </a:r>
-            <a:r>
-              <a:rPr lang="pl-PL" dirty="0"/>
-              <a:t>\\*-spec.js" </a:t>
-            </a:r>
-          </a:p>
-          <a:p>
-            <a:pPr marL="0" indent="0">
-              <a:buNone/>
-            </a:pPr>
-            <a:r>
-              <a:rPr lang="pl-PL" dirty="0"/>
-              <a:t>	], </a:t>
-            </a:r>
-          </a:p>
-          <a:p>
-            <a:pPr marL="0" indent="0">
-              <a:buNone/>
-            </a:pPr>
-            <a:r>
-              <a:rPr lang="pl-PL" dirty="0"/>
-              <a:t>"</a:t>
-            </a:r>
-            <a:r>
-              <a:rPr lang="pl-PL" dirty="0" err="1"/>
-              <a:t>env</a:t>
-            </a:r>
-            <a:r>
-              <a:rPr lang="pl-PL" dirty="0"/>
-              <a:t>": { </a:t>
-            </a:r>
-          </a:p>
-          <a:p>
-            <a:pPr marL="0" indent="0">
-              <a:buNone/>
-            </a:pPr>
-            <a:r>
-              <a:rPr lang="pl-PL" dirty="0"/>
-              <a:t>	"NODE_PATH": "." </a:t>
-            </a:r>
-          </a:p>
-          <a:p>
-            <a:pPr marL="0" indent="0">
-              <a:buNone/>
-            </a:pPr>
-            <a:r>
-              <a:rPr lang="pl-PL" dirty="0"/>
-              <a:t>	} </a:t>
-            </a:r>
-          </a:p>
-          <a:p>
-            <a:pPr marL="0" indent="0">
-              <a:buNone/>
-            </a:pPr>
-            <a:r>
-              <a:rPr lang="pl-PL" dirty="0"/>
-              <a:t>}]</a:t>
+              <a:t>:</a:t>
+            </a:r>
+          </a:p>
+          <a:p>
+            <a:pPr lvl="1"/>
+            <a:r>
+              <a:rPr lang="pl-PL" dirty="0"/>
+              <a:t>Instalacja biblioteki lokalnie</a:t>
+            </a:r>
+          </a:p>
+          <a:p>
+            <a:pPr lvl="1"/>
+            <a:r>
+              <a:rPr lang="pl-PL" dirty="0"/>
+              <a:t>Zapytanie do serwisu: </a:t>
+            </a:r>
+            <a:r>
+              <a:rPr lang="pl-PL" dirty="0">
+                <a:hlinkClick r:id="rId3"/>
+              </a:rPr>
+              <a:t>https://jsonplaceholder.typicode.com/posts/?userId=5</a:t>
+            </a:r>
+            <a:endParaRPr lang="pl-PL" dirty="0"/>
+          </a:p>
+          <a:p>
+            <a:pPr lvl="1"/>
+            <a:r>
+              <a:rPr lang="pl-PL" dirty="0"/>
+              <a:t>Weryfikacja czy odpowiedź jest 200</a:t>
             </a:r>
           </a:p>
           <a:p>
@@ -10869,13 +10857,15 @@
             <a:endParaRPr lang="pl-PL" dirty="0"/>
           </a:p>
           <a:p>
-            <a:pPr marL="914400" lvl="2" indent="0">
+            <a:pPr marL="0" indent="0">
               <a:buNone/>
             </a:pPr>
             <a:endParaRPr lang="pl-PL" dirty="0"/>
           </a:p>
           <a:p>
-            <a:pPr lvl="1"/>
+            <a:pPr marL="0" indent="0">
+              <a:buNone/>
+            </a:pPr>
             <a:endParaRPr lang="pl-PL" dirty="0"/>
           </a:p>
         </p:txBody>
@@ -10885,7 +10875,7 @@
           <p:cNvPr id="4" name="Symbol zastępczy stopki 3">
             <a:extLst>
               <a:ext uri="{FF2B5EF4-FFF2-40B4-BE49-F238E27FC236}">
-                <a16:creationId xmlns:a16="http://schemas.microsoft.com/office/drawing/2014/main" id="{96205D1A-9976-49E5-94AE-C36A1413B337}"/>
+                <a16:creationId xmlns:a16="http://schemas.microsoft.com/office/drawing/2014/main" id="{3DB42DC8-D52C-458F-B9D4-95DF039BDFA7}"/>
               </a:ext>
             </a:extLst>
           </p:cNvPr>
@@ -10913,7 +10903,7 @@
           <p:cNvPr id="5" name="Symbol zastępczy numeru slajdu 4">
             <a:extLst>
               <a:ext uri="{FF2B5EF4-FFF2-40B4-BE49-F238E27FC236}">
-                <a16:creationId xmlns:a16="http://schemas.microsoft.com/office/drawing/2014/main" id="{030FB6EA-9CA6-4B35-805F-1E431BB97410}"/>
+                <a16:creationId xmlns:a16="http://schemas.microsoft.com/office/drawing/2014/main" id="{44A5E2A8-7D64-423F-B5D5-01E96A2284D7}"/>
               </a:ext>
             </a:extLst>
           </p:cNvPr>
@@ -10940,7 +10930,7 @@
     </p:spTree>
     <p:extLst>
       <p:ext uri="{BB962C8B-B14F-4D97-AF65-F5344CB8AC3E}">
-        <p14:creationId xmlns:p14="http://schemas.microsoft.com/office/powerpoint/2010/main" val="2525351639"/>
+        <p14:creationId xmlns:p14="http://schemas.microsoft.com/office/powerpoint/2010/main" val="3480055732"/>
       </p:ext>
     </p:extLst>
   </p:cSld>
@@ -10972,7 +10962,7 @@
           <p:cNvPr id="2" name="Tytuł 1">
             <a:extLst>
               <a:ext uri="{FF2B5EF4-FFF2-40B4-BE49-F238E27FC236}">
-                <a16:creationId xmlns:a16="http://schemas.microsoft.com/office/drawing/2014/main" id="{F8C5C284-989C-4FEC-9A31-D8968BA6F0CC}"/>
+                <a16:creationId xmlns:a16="http://schemas.microsoft.com/office/drawing/2014/main" id="{9048927C-2F16-488B-AA41-B44957C34CA8}"/>
               </a:ext>
             </a:extLst>
           </p:cNvPr>
@@ -11000,7 +10990,7 @@
           <p:cNvPr id="3" name="Symbol zastępczy zawartości 2">
             <a:extLst>
               <a:ext uri="{FF2B5EF4-FFF2-40B4-BE49-F238E27FC236}">
-                <a16:creationId xmlns:a16="http://schemas.microsoft.com/office/drawing/2014/main" id="{59C1652B-8D95-4160-99AA-B7079194ADAA}"/>
+                <a16:creationId xmlns:a16="http://schemas.microsoft.com/office/drawing/2014/main" id="{E5FD8BDC-5F96-4CBD-89AB-E1A5DFE2192D}"/>
               </a:ext>
             </a:extLst>
           </p:cNvPr>
@@ -11014,7 +11004,7 @@
         <p:spPr/>
         <p:txBody>
           <a:bodyPr>
-            <a:normAutofit lnSpcReduction="10000"/>
+            <a:normAutofit fontScale="40000" lnSpcReduction="20000"/>
           </a:bodyPr>
           <a:lstStyle/>
           <a:p>
@@ -11022,86 +11012,150 @@
               <a:buNone/>
             </a:pPr>
             <a:r>
-              <a:rPr lang="pl-PL" dirty="0"/>
-              <a:t>5. Zmiana przeglądarki na bez ramkową </a:t>
+              <a:rPr lang="pl-PL" b="1" dirty="0"/>
+              <a:t>4. Debugowanie kodu, ustawienia </a:t>
+            </a:r>
+            <a:r>
+              <a:rPr lang="pl-PL" b="1" dirty="0" err="1"/>
+              <a:t>VisualStudio</a:t>
+            </a:r>
+            <a:r>
+              <a:rPr lang="pl-PL" b="1" dirty="0"/>
+              <a:t> </a:t>
+            </a:r>
+            <a:r>
+              <a:rPr lang="pl-PL" b="1" dirty="0" err="1"/>
+              <a:t>Code</a:t>
+            </a:r>
+            <a:r>
+              <a:rPr lang="pl-PL" b="1" dirty="0"/>
+              <a:t>:</a:t>
+            </a:r>
+          </a:p>
+          <a:p>
+            <a:pPr marL="0" indent="0">
+              <a:buNone/>
+            </a:pPr>
+            <a:r>
+              <a:rPr lang="pl-PL" dirty="0"/>
+              <a:t>"</a:t>
             </a:r>
             <a:r>
               <a:rPr lang="pl-PL" dirty="0" err="1"/>
-              <a:t>PhantomJS</a:t>
-            </a:r>
-            <a:endParaRPr lang="pl-PL" dirty="0"/>
-          </a:p>
-          <a:p>
-            <a:pPr lvl="1"/>
-            <a:r>
-              <a:rPr lang="pl-PL" dirty="0"/>
-              <a:t>Instalacja </a:t>
+              <a:t>configurations</a:t>
+            </a:r>
+            <a:r>
+              <a:rPr lang="pl-PL" dirty="0"/>
+              <a:t>": [</a:t>
+            </a:r>
+          </a:p>
+          <a:p>
+            <a:pPr marL="0" indent="0">
+              <a:buNone/>
+            </a:pPr>
+            <a:r>
+              <a:rPr lang="pl-PL" dirty="0"/>
+              <a:t>{</a:t>
+            </a:r>
+          </a:p>
+          <a:p>
+            <a:pPr marL="0" indent="0">
+              <a:buNone/>
+            </a:pPr>
+            <a:r>
+              <a:rPr lang="pl-PL" dirty="0"/>
+              <a:t>	"</a:t>
             </a:r>
             <a:r>
               <a:rPr lang="pl-PL" dirty="0" err="1"/>
-              <a:t>phantomJS</a:t>
-            </a:r>
-            <a:r>
-              <a:rPr lang="pl-PL" dirty="0"/>
-              <a:t> lokalnie</a:t>
-            </a:r>
-          </a:p>
-          <a:p>
-            <a:pPr lvl="1"/>
-            <a:r>
-              <a:rPr lang="pl-PL" dirty="0"/>
-              <a:t>Konfiguracja:</a:t>
-            </a:r>
-          </a:p>
-          <a:p>
-            <a:pPr marL="914400" lvl="2" indent="0">
+              <a:t>type</a:t>
+            </a:r>
+            <a:r>
+              <a:rPr lang="pl-PL" dirty="0"/>
+              <a:t>": "</a:t>
+            </a:r>
+            <a:r>
+              <a:rPr lang="pl-PL" dirty="0" err="1"/>
+              <a:t>node</a:t>
+            </a:r>
+            <a:r>
+              <a:rPr lang="pl-PL" dirty="0"/>
+              <a:t>",</a:t>
+            </a:r>
+          </a:p>
+          <a:p>
+            <a:pPr marL="0" indent="0">
               <a:buNone/>
             </a:pPr>
             <a:r>
+              <a:rPr lang="pl-PL" dirty="0"/>
+              <a:t>	"</a:t>
+            </a:r>
+            <a:r>
               <a:rPr lang="pl-PL" dirty="0" err="1"/>
-              <a:t>capabilities</a:t>
-            </a:r>
-            <a:r>
-              <a:rPr lang="pl-PL" dirty="0"/>
-              <a:t>: {</a:t>
-            </a:r>
-          </a:p>
-          <a:p>
-            <a:pPr marL="1371600" lvl="3" indent="0">
+              <a:t>request</a:t>
+            </a:r>
+            <a:r>
+              <a:rPr lang="pl-PL" dirty="0"/>
+              <a:t>": "</a:t>
+            </a:r>
+            <a:r>
+              <a:rPr lang="pl-PL" dirty="0" err="1"/>
+              <a:t>launch</a:t>
+            </a:r>
+            <a:r>
+              <a:rPr lang="pl-PL" dirty="0"/>
+              <a:t>",</a:t>
+            </a:r>
+          </a:p>
+          <a:p>
+            <a:pPr marL="0" indent="0">
               <a:buNone/>
             </a:pPr>
             <a:r>
+              <a:rPr lang="pl-PL" dirty="0"/>
+              <a:t>	"</a:t>
+            </a:r>
+            <a:r>
               <a:rPr lang="pl-PL" dirty="0" err="1"/>
-              <a:t>browserName</a:t>
-            </a:r>
-            <a:r>
-              <a:rPr lang="pl-PL" dirty="0"/>
-              <a:t>: '</a:t>
+              <a:t>name</a:t>
+            </a:r>
+            <a:r>
+              <a:rPr lang="pl-PL" dirty="0"/>
+              <a:t>": "</a:t>
             </a:r>
             <a:r>
               <a:rPr lang="pl-PL" dirty="0" err="1"/>
-              <a:t>phantomjs</a:t>
-            </a:r>
-            <a:r>
-              <a:rPr lang="pl-PL" dirty="0"/>
-              <a:t>',</a:t>
-            </a:r>
-          </a:p>
-          <a:p>
-            <a:pPr marL="1371600" lvl="3" indent="0">
+              <a:t>Jasmine</a:t>
+            </a:r>
+            <a:r>
+              <a:rPr lang="pl-PL" dirty="0"/>
+              <a:t> </a:t>
+            </a:r>
+            <a:r>
+              <a:rPr lang="pl-PL" dirty="0" err="1"/>
+              <a:t>Individual</a:t>
+            </a:r>
+            <a:r>
+              <a:rPr lang="pl-PL" dirty="0"/>
+              <a:t> Test",</a:t>
+            </a:r>
+          </a:p>
+          <a:p>
+            <a:pPr marL="0" indent="0">
               <a:buNone/>
             </a:pPr>
             <a:r>
               <a:rPr lang="pl-PL" dirty="0"/>
-              <a:t>'</a:t>
+              <a:t>	"program": "${</a:t>
             </a:r>
             <a:r>
               <a:rPr lang="pl-PL" dirty="0" err="1"/>
-              <a:t>phantomjs.binary.path</a:t>
-            </a:r>
-            <a:r>
-              <a:rPr lang="pl-PL" dirty="0"/>
-              <a:t>': './</a:t>
+              <a:t>workspaceRoot</a:t>
+            </a:r>
+            <a:r>
+              <a:rPr lang="pl-PL" dirty="0"/>
+              <a:t>}\\</a:t>
             </a:r>
             <a:r>
               <a:rPr lang="pl-PL" dirty="0" err="1"/>
@@ -11109,100 +11163,118 @@
             </a:r>
             <a:r>
               <a:rPr lang="pl-PL" dirty="0"/>
-              <a:t>/</a:t>
+              <a:t>\\</a:t>
             </a:r>
             <a:r>
               <a:rPr lang="pl-PL" dirty="0" err="1"/>
-              <a:t>phantomjs</a:t>
-            </a:r>
-            <a:r>
-              <a:rPr lang="pl-PL" dirty="0"/>
-              <a:t>/</a:t>
+              <a:t>jasmine</a:t>
+            </a:r>
+            <a:r>
+              <a:rPr lang="pl-PL" dirty="0"/>
+              <a:t>\\bin\\jasmine.js",</a:t>
+            </a:r>
+          </a:p>
+          <a:p>
+            <a:pPr marL="0" indent="0">
+              <a:buNone/>
+            </a:pPr>
+            <a:r>
+              <a:rPr lang="pl-PL" dirty="0"/>
+              <a:t>	"</a:t>
             </a:r>
             <a:r>
               <a:rPr lang="pl-PL" dirty="0" err="1"/>
-              <a:t>lib</a:t>
-            </a:r>
-            <a:r>
-              <a:rPr lang="pl-PL" dirty="0"/>
-              <a:t>/</a:t>
+              <a:t>args</a:t>
+            </a:r>
+            <a:r>
+              <a:rPr lang="pl-PL" dirty="0"/>
+              <a:t>": [ </a:t>
+            </a:r>
+          </a:p>
+          <a:p>
+            <a:pPr marL="0" indent="0">
+              <a:buNone/>
+            </a:pPr>
+            <a:r>
+              <a:rPr lang="pl-PL" dirty="0"/>
+              <a:t>	"</a:t>
             </a:r>
             <a:r>
               <a:rPr lang="pl-PL" dirty="0" err="1"/>
-              <a:t>phantom</a:t>
-            </a:r>
-            <a:r>
-              <a:rPr lang="pl-PL" dirty="0"/>
-              <a:t>/bin/phantomjs.exe',</a:t>
-            </a:r>
-          </a:p>
-          <a:p>
-            <a:pPr marL="1371600" lvl="3" indent="0">
+              <a:t>tests</a:t>
+            </a:r>
+            <a:r>
+              <a:rPr lang="pl-PL" dirty="0"/>
+              <a:t>\\*-spec.js" </a:t>
+            </a:r>
+          </a:p>
+          <a:p>
+            <a:pPr marL="0" indent="0">
               <a:buNone/>
             </a:pPr>
             <a:r>
               <a:rPr lang="pl-PL" dirty="0"/>
-              <a:t>'</a:t>
+              <a:t>	], </a:t>
+            </a:r>
+          </a:p>
+          <a:p>
+            <a:pPr marL="0" indent="0">
+              <a:buNone/>
+            </a:pPr>
+            <a:r>
+              <a:rPr lang="pl-PL" dirty="0"/>
+              <a:t>"</a:t>
             </a:r>
             <a:r>
               <a:rPr lang="pl-PL" dirty="0" err="1"/>
-              <a:t>phantomjs.cli.args</a:t>
-            </a:r>
-            <a:r>
-              <a:rPr lang="pl-PL" dirty="0"/>
-              <a:t>': ['--web-</a:t>
-            </a:r>
-            <a:r>
-              <a:rPr lang="pl-PL" dirty="0" err="1"/>
-              <a:t>security</a:t>
-            </a:r>
-            <a:r>
-              <a:rPr lang="pl-PL" dirty="0"/>
-              <a:t>=</a:t>
-            </a:r>
-            <a:r>
-              <a:rPr lang="pl-PL" dirty="0" err="1"/>
-              <a:t>false</a:t>
-            </a:r>
-            <a:r>
-              <a:rPr lang="pl-PL" dirty="0"/>
-              <a:t>', '--</a:t>
-            </a:r>
-            <a:r>
-              <a:rPr lang="pl-PL" dirty="0" err="1"/>
-              <a:t>ignore-ssl-errors</a:t>
-            </a:r>
-            <a:r>
-              <a:rPr lang="pl-PL" dirty="0"/>
-              <a:t>=</a:t>
-            </a:r>
-            <a:r>
-              <a:rPr lang="pl-PL" dirty="0" err="1"/>
-              <a:t>true</a:t>
-            </a:r>
-            <a:r>
-              <a:rPr lang="pl-PL" dirty="0"/>
-              <a:t>', '--</a:t>
-            </a:r>
-            <a:r>
-              <a:rPr lang="pl-PL" dirty="0" err="1"/>
-              <a:t>webdriver-loglevel</a:t>
-            </a:r>
-            <a:r>
-              <a:rPr lang="pl-PL" dirty="0"/>
-              <a:t>=DEBUG'],</a:t>
-            </a:r>
+              <a:t>env</a:t>
+            </a:r>
+            <a:r>
+              <a:rPr lang="pl-PL" dirty="0"/>
+              <a:t>": { </a:t>
+            </a:r>
+          </a:p>
+          <a:p>
+            <a:pPr marL="0" indent="0">
+              <a:buNone/>
+            </a:pPr>
+            <a:r>
+              <a:rPr lang="pl-PL" dirty="0"/>
+              <a:t>	"NODE_PATH": "." </a:t>
+            </a:r>
+          </a:p>
+          <a:p>
+            <a:pPr marL="0" indent="0">
+              <a:buNone/>
+            </a:pPr>
+            <a:r>
+              <a:rPr lang="pl-PL" dirty="0"/>
+              <a:t>	} </a:t>
+            </a:r>
+          </a:p>
+          <a:p>
+            <a:pPr marL="0" indent="0">
+              <a:buNone/>
+            </a:pPr>
+            <a:r>
+              <a:rPr lang="pl-PL" dirty="0"/>
+              <a:t>}]</a:t>
+            </a:r>
+          </a:p>
+          <a:p>
+            <a:pPr marL="0" indent="0">
+              <a:buNone/>
+            </a:pPr>
+            <a:endParaRPr lang="pl-PL" dirty="0"/>
           </a:p>
           <a:p>
             <a:pPr marL="914400" lvl="2" indent="0">
               <a:buNone/>
             </a:pPr>
-            <a:r>
-              <a:rPr lang="pl-PL" dirty="0"/>
-              <a:t>},</a:t>
-            </a:r>
-          </a:p>
-          <a:p>
+            <a:endParaRPr lang="pl-PL" dirty="0"/>
+          </a:p>
+          <a:p>
+            <a:pPr lvl="1"/>
             <a:endParaRPr lang="pl-PL" dirty="0"/>
           </a:p>
         </p:txBody>
@@ -11212,7 +11284,7 @@
           <p:cNvPr id="4" name="Symbol zastępczy stopki 3">
             <a:extLst>
               <a:ext uri="{FF2B5EF4-FFF2-40B4-BE49-F238E27FC236}">
-                <a16:creationId xmlns:a16="http://schemas.microsoft.com/office/drawing/2014/main" id="{8F81796B-B2E7-4971-809F-ED81E3B129A9}"/>
+                <a16:creationId xmlns:a16="http://schemas.microsoft.com/office/drawing/2014/main" id="{96205D1A-9976-49E5-94AE-C36A1413B337}"/>
               </a:ext>
             </a:extLst>
           </p:cNvPr>
@@ -11240,7 +11312,7 @@
           <p:cNvPr id="5" name="Symbol zastępczy numeru slajdu 4">
             <a:extLst>
               <a:ext uri="{FF2B5EF4-FFF2-40B4-BE49-F238E27FC236}">
-                <a16:creationId xmlns:a16="http://schemas.microsoft.com/office/drawing/2014/main" id="{1CF0CA66-370D-4F64-B390-8679F503D92E}"/>
+                <a16:creationId xmlns:a16="http://schemas.microsoft.com/office/drawing/2014/main" id="{030FB6EA-9CA6-4B35-805F-1E431BB97410}"/>
               </a:ext>
             </a:extLst>
           </p:cNvPr>
@@ -11267,7 +11339,7 @@
     </p:spTree>
     <p:extLst>
       <p:ext uri="{BB962C8B-B14F-4D97-AF65-F5344CB8AC3E}">
-        <p14:creationId xmlns:p14="http://schemas.microsoft.com/office/powerpoint/2010/main" val="2737935987"/>
+        <p14:creationId xmlns:p14="http://schemas.microsoft.com/office/powerpoint/2010/main" val="2525351639"/>
       </p:ext>
     </p:extLst>
   </p:cSld>
@@ -11299,7 +11371,7 @@
           <p:cNvPr id="2" name="Tytuł 1">
             <a:extLst>
               <a:ext uri="{FF2B5EF4-FFF2-40B4-BE49-F238E27FC236}">
-                <a16:creationId xmlns:a16="http://schemas.microsoft.com/office/drawing/2014/main" id="{CB8F6E95-CAF0-4CE0-A319-833C4FCEE3C2}"/>
+                <a16:creationId xmlns:a16="http://schemas.microsoft.com/office/drawing/2014/main" id="{F8C5C284-989C-4FEC-9A31-D8968BA6F0CC}"/>
               </a:ext>
             </a:extLst>
           </p:cNvPr>
@@ -11327,7 +11399,7 @@
           <p:cNvPr id="3" name="Symbol zastępczy zawartości 2">
             <a:extLst>
               <a:ext uri="{FF2B5EF4-FFF2-40B4-BE49-F238E27FC236}">
-                <a16:creationId xmlns:a16="http://schemas.microsoft.com/office/drawing/2014/main" id="{C3F39C60-7D7C-4758-B313-7860A65AD884}"/>
+                <a16:creationId xmlns:a16="http://schemas.microsoft.com/office/drawing/2014/main" id="{59C1652B-8D95-4160-99AA-B7079194ADAA}"/>
               </a:ext>
             </a:extLst>
           </p:cNvPr>
@@ -11341,7 +11413,7 @@
         <p:spPr/>
         <p:txBody>
           <a:bodyPr>
-            <a:normAutofit fontScale="77500" lnSpcReduction="20000"/>
+            <a:normAutofit lnSpcReduction="10000"/>
           </a:bodyPr>
           <a:lstStyle/>
           <a:p>
@@ -11350,16 +11422,13 @@
             </a:pPr>
             <a:r>
               <a:rPr lang="pl-PL" dirty="0"/>
-              <a:t>5. Wykorzystanie narzędzia </a:t>
+              <a:t>5. Zmiana przeglądarki na bez ramkową </a:t>
             </a:r>
             <a:r>
               <a:rPr lang="pl-PL" dirty="0" err="1"/>
-              <a:t>Postman</a:t>
-            </a:r>
-            <a:r>
-              <a:rPr lang="pl-PL" dirty="0"/>
-              <a:t> w celu weryfikacji ręcznej serwisu</a:t>
-            </a:r>
+              <a:t>PhantomJS</a:t>
+            </a:r>
+            <a:endParaRPr lang="pl-PL" dirty="0"/>
           </a:p>
           <a:p>
             <a:pPr lvl="1"/>
@@ -11369,118 +11438,170 @@
             </a:r>
             <a:r>
               <a:rPr lang="pl-PL" dirty="0" err="1"/>
-              <a:t>Postman</a:t>
-            </a:r>
-            <a:r>
-              <a:rPr lang="pl-PL" dirty="0"/>
-              <a:t> w przeglądarce Chrome</a:t>
+              <a:t>phantomJS</a:t>
+            </a:r>
+            <a:r>
+              <a:rPr lang="pl-PL" dirty="0"/>
+              <a:t> lokalnie</a:t>
             </a:r>
           </a:p>
           <a:p>
             <a:pPr lvl="1"/>
-            <a:endParaRPr lang="pl-PL" dirty="0"/>
-          </a:p>
-          <a:p>
-            <a:pPr marL="0" indent="0">
+            <a:r>
+              <a:rPr lang="pl-PL" dirty="0"/>
+              <a:t>Konfiguracja:</a:t>
+            </a:r>
+          </a:p>
+          <a:p>
+            <a:pPr marL="914400" lvl="2" indent="0">
               <a:buNone/>
             </a:pPr>
             <a:r>
-              <a:rPr lang="pl-PL" dirty="0"/>
-              <a:t>6. Wykonanie testów dla wszystkich metod ze strony: </a:t>
-            </a:r>
-            <a:r>
-              <a:rPr lang="pl-PL" dirty="0">
-                <a:hlinkClick r:id="rId2"/>
-              </a:rPr>
-              <a:t>https://jsonplaceholder.typicode.com</a:t>
-            </a:r>
-            <a:endParaRPr lang="pl-PL" dirty="0"/>
-          </a:p>
-          <a:p>
-            <a:pPr marL="0" indent="0">
+              <a:rPr lang="pl-PL" dirty="0" err="1"/>
+              <a:t>capabilities</a:t>
+            </a:r>
+            <a:r>
+              <a:rPr lang="pl-PL" dirty="0"/>
+              <a:t>: {</a:t>
+            </a:r>
+          </a:p>
+          <a:p>
+            <a:pPr marL="1371600" lvl="3" indent="0">
               <a:buNone/>
             </a:pPr>
             <a:r>
-              <a:rPr lang="pl-PL" dirty="0">
-                <a:hlinkClick r:id="rId3"/>
-              </a:rPr>
-              <a:t>https://github.com/typicode/jsonplaceholder</a:t>
-            </a:r>
-            <a:endParaRPr lang="pl-PL" dirty="0"/>
-          </a:p>
-          <a:p>
-            <a:pPr marL="0" indent="0">
+              <a:rPr lang="pl-PL" dirty="0" err="1"/>
+              <a:t>browserName</a:t>
+            </a:r>
+            <a:r>
+              <a:rPr lang="pl-PL" dirty="0"/>
+              <a:t>: '</a:t>
+            </a:r>
+            <a:r>
+              <a:rPr lang="pl-PL" dirty="0" err="1"/>
+              <a:t>phantomjs</a:t>
+            </a:r>
+            <a:r>
+              <a:rPr lang="pl-PL" dirty="0"/>
+              <a:t>',</a:t>
+            </a:r>
+          </a:p>
+          <a:p>
+            <a:pPr marL="1371600" lvl="3" indent="0">
               <a:buNone/>
             </a:pPr>
-            <a:endParaRPr lang="pl-PL" dirty="0"/>
-          </a:p>
-          <a:p>
-            <a:pPr marL="0" indent="0">
+            <a:r>
+              <a:rPr lang="pl-PL" dirty="0"/>
+              <a:t>'</a:t>
+            </a:r>
+            <a:r>
+              <a:rPr lang="pl-PL" dirty="0" err="1"/>
+              <a:t>phantomjs.binary.path</a:t>
+            </a:r>
+            <a:r>
+              <a:rPr lang="pl-PL" dirty="0"/>
+              <a:t>': './</a:t>
+            </a:r>
+            <a:r>
+              <a:rPr lang="pl-PL" dirty="0" err="1"/>
+              <a:t>node_modules</a:t>
+            </a:r>
+            <a:r>
+              <a:rPr lang="pl-PL" dirty="0"/>
+              <a:t>/</a:t>
+            </a:r>
+            <a:r>
+              <a:rPr lang="pl-PL" dirty="0" err="1"/>
+              <a:t>phantomjs</a:t>
+            </a:r>
+            <a:r>
+              <a:rPr lang="pl-PL" dirty="0"/>
+              <a:t>/</a:t>
+            </a:r>
+            <a:r>
+              <a:rPr lang="pl-PL" dirty="0" err="1"/>
+              <a:t>lib</a:t>
+            </a:r>
+            <a:r>
+              <a:rPr lang="pl-PL" dirty="0"/>
+              <a:t>/</a:t>
+            </a:r>
+            <a:r>
+              <a:rPr lang="pl-PL" dirty="0" err="1"/>
+              <a:t>phantom</a:t>
+            </a:r>
+            <a:r>
+              <a:rPr lang="pl-PL" dirty="0"/>
+              <a:t>/bin/phantomjs.exe',</a:t>
+            </a:r>
+          </a:p>
+          <a:p>
+            <a:pPr marL="1371600" lvl="3" indent="0">
               <a:buNone/>
             </a:pPr>
             <a:r>
               <a:rPr lang="pl-PL" dirty="0"/>
-              <a:t>7. Instalacja i konfiguracja </a:t>
+              <a:t>'</a:t>
             </a:r>
             <a:r>
               <a:rPr lang="pl-PL" dirty="0" err="1"/>
-              <a:t>Jasmine</a:t>
-            </a:r>
-            <a:r>
-              <a:rPr lang="pl-PL" dirty="0"/>
-              <a:t>-report + </a:t>
+              <a:t>phantomjs.cli.args</a:t>
+            </a:r>
+            <a:r>
+              <a:rPr lang="pl-PL" dirty="0"/>
+              <a:t>': ['--web-</a:t>
             </a:r>
             <a:r>
               <a:rPr lang="pl-PL" dirty="0" err="1"/>
-              <a:t>protractor</a:t>
-            </a:r>
-            <a:r>
-              <a:rPr lang="pl-PL" dirty="0"/>
-              <a:t> </a:t>
+              <a:t>security</a:t>
+            </a:r>
+            <a:r>
+              <a:rPr lang="pl-PL" dirty="0"/>
+              <a:t>=</a:t>
             </a:r>
             <a:r>
               <a:rPr lang="pl-PL" dirty="0" err="1"/>
-              <a:t>html</a:t>
-            </a:r>
-            <a:r>
-              <a:rPr lang="pl-PL" dirty="0"/>
-              <a:t> report:</a:t>
-            </a:r>
-          </a:p>
-          <a:p>
-            <a:pPr marL="0" indent="0">
+              <a:t>false</a:t>
+            </a:r>
+            <a:r>
+              <a:rPr lang="pl-PL" dirty="0"/>
+              <a:t>', '--</a:t>
+            </a:r>
+            <a:r>
+              <a:rPr lang="pl-PL" dirty="0" err="1"/>
+              <a:t>ignore-ssl-errors</a:t>
+            </a:r>
+            <a:r>
+              <a:rPr lang="pl-PL" dirty="0"/>
+              <a:t>=</a:t>
+            </a:r>
+            <a:r>
+              <a:rPr lang="pl-PL" dirty="0" err="1"/>
+              <a:t>true</a:t>
+            </a:r>
+            <a:r>
+              <a:rPr lang="pl-PL" dirty="0"/>
+              <a:t>', '--</a:t>
+            </a:r>
+            <a:r>
+              <a:rPr lang="pl-PL" dirty="0" err="1"/>
+              <a:t>webdriver-loglevel</a:t>
+            </a:r>
+            <a:r>
+              <a:rPr lang="pl-PL" dirty="0"/>
+              <a:t>=DEBUG'],</a:t>
+            </a:r>
+          </a:p>
+          <a:p>
+            <a:pPr marL="914400" lvl="2" indent="0">
               <a:buNone/>
             </a:pPr>
             <a:r>
-              <a:rPr lang="pl-PL" dirty="0">
-                <a:hlinkClick r:id="rId4"/>
-              </a:rPr>
-              <a:t>https://github.com/larrymyers/jasmine-reporters</a:t>
-            </a:r>
-            <a:endParaRPr lang="pl-PL" dirty="0"/>
-          </a:p>
-          <a:p>
-            <a:pPr marL="0" indent="0">
-              <a:buNone/>
-            </a:pPr>
-            <a:r>
-              <a:rPr lang="pl-PL" dirty="0">
-                <a:hlinkClick r:id="rId5"/>
-              </a:rPr>
-              <a:t>https://www.npmjs.com/package/protractor-html-reporter</a:t>
-            </a:r>
-            <a:endParaRPr lang="pl-PL" dirty="0"/>
-          </a:p>
-          <a:p>
-            <a:pPr marL="0" indent="0">
-              <a:buNone/>
-            </a:pPr>
-            <a:endParaRPr lang="pl-PL" dirty="0"/>
-          </a:p>
-          <a:p>
-            <a:pPr marL="0" indent="0">
-              <a:buNone/>
-            </a:pPr>
+              <a:rPr lang="pl-PL" dirty="0"/>
+              <a:t>},</a:t>
+            </a:r>
+          </a:p>
+          <a:p>
             <a:endParaRPr lang="pl-PL" dirty="0"/>
           </a:p>
         </p:txBody>
@@ -11490,7 +11611,7 @@
           <p:cNvPr id="4" name="Symbol zastępczy stopki 3">
             <a:extLst>
               <a:ext uri="{FF2B5EF4-FFF2-40B4-BE49-F238E27FC236}">
-                <a16:creationId xmlns:a16="http://schemas.microsoft.com/office/drawing/2014/main" id="{B3F73133-637B-46B3-A9E6-19940475DEA1}"/>
+                <a16:creationId xmlns:a16="http://schemas.microsoft.com/office/drawing/2014/main" id="{8F81796B-B2E7-4971-809F-ED81E3B129A9}"/>
               </a:ext>
             </a:extLst>
           </p:cNvPr>
@@ -11518,7 +11639,7 @@
           <p:cNvPr id="5" name="Symbol zastępczy numeru slajdu 4">
             <a:extLst>
               <a:ext uri="{FF2B5EF4-FFF2-40B4-BE49-F238E27FC236}">
-                <a16:creationId xmlns:a16="http://schemas.microsoft.com/office/drawing/2014/main" id="{D3BA1EAB-8BF2-4A31-BF76-615F7A605013}"/>
+                <a16:creationId xmlns:a16="http://schemas.microsoft.com/office/drawing/2014/main" id="{1CF0CA66-370D-4F64-B390-8679F503D92E}"/>
               </a:ext>
             </a:extLst>
           </p:cNvPr>
@@ -11545,7 +11666,7 @@
     </p:spTree>
     <p:extLst>
       <p:ext uri="{BB962C8B-B14F-4D97-AF65-F5344CB8AC3E}">
-        <p14:creationId xmlns:p14="http://schemas.microsoft.com/office/powerpoint/2010/main" val="3310470839"/>
+        <p14:creationId xmlns:p14="http://schemas.microsoft.com/office/powerpoint/2010/main" val="2737935987"/>
       </p:ext>
     </p:extLst>
   </p:cSld>
@@ -11577,6 +11698,284 @@
           <p:cNvPr id="2" name="Tytuł 1">
             <a:extLst>
               <a:ext uri="{FF2B5EF4-FFF2-40B4-BE49-F238E27FC236}">
+                <a16:creationId xmlns:a16="http://schemas.microsoft.com/office/drawing/2014/main" id="{CB8F6E95-CAF0-4CE0-A319-833C4FCEE3C2}"/>
+              </a:ext>
+            </a:extLst>
+          </p:cNvPr>
+          <p:cNvSpPr>
+            <a:spLocks noGrp="1"/>
+          </p:cNvSpPr>
+          <p:nvPr>
+            <p:ph type="title"/>
+          </p:nvPr>
+        </p:nvSpPr>
+        <p:spPr/>
+        <p:txBody>
+          <a:bodyPr/>
+          <a:lstStyle/>
+          <a:p>
+            <a:r>
+              <a:rPr lang="pl-PL" dirty="0"/>
+              <a:t>Zadania praktyczne cd.</a:t>
+            </a:r>
+          </a:p>
+        </p:txBody>
+      </p:sp>
+      <p:sp>
+        <p:nvSpPr>
+          <p:cNvPr id="3" name="Symbol zastępczy zawartości 2">
+            <a:extLst>
+              <a:ext uri="{FF2B5EF4-FFF2-40B4-BE49-F238E27FC236}">
+                <a16:creationId xmlns:a16="http://schemas.microsoft.com/office/drawing/2014/main" id="{C3F39C60-7D7C-4758-B313-7860A65AD884}"/>
+              </a:ext>
+            </a:extLst>
+          </p:cNvPr>
+          <p:cNvSpPr>
+            <a:spLocks noGrp="1"/>
+          </p:cNvSpPr>
+          <p:nvPr>
+            <p:ph idx="1"/>
+          </p:nvPr>
+        </p:nvSpPr>
+        <p:spPr/>
+        <p:txBody>
+          <a:bodyPr>
+            <a:normAutofit fontScale="77500" lnSpcReduction="20000"/>
+          </a:bodyPr>
+          <a:lstStyle/>
+          <a:p>
+            <a:pPr marL="0" indent="0">
+              <a:buNone/>
+            </a:pPr>
+            <a:r>
+              <a:rPr lang="pl-PL" dirty="0"/>
+              <a:t>5. Wykorzystanie narzędzia </a:t>
+            </a:r>
+            <a:r>
+              <a:rPr lang="pl-PL" dirty="0" err="1"/>
+              <a:t>Postman</a:t>
+            </a:r>
+            <a:r>
+              <a:rPr lang="pl-PL" dirty="0"/>
+              <a:t> w celu weryfikacji ręcznej serwisu</a:t>
+            </a:r>
+          </a:p>
+          <a:p>
+            <a:pPr lvl="1"/>
+            <a:r>
+              <a:rPr lang="pl-PL" dirty="0"/>
+              <a:t>Instalacja </a:t>
+            </a:r>
+            <a:r>
+              <a:rPr lang="pl-PL" dirty="0" err="1"/>
+              <a:t>Postman</a:t>
+            </a:r>
+            <a:r>
+              <a:rPr lang="pl-PL" dirty="0"/>
+              <a:t> w przeglądarce Chrome</a:t>
+            </a:r>
+          </a:p>
+          <a:p>
+            <a:pPr lvl="1"/>
+            <a:endParaRPr lang="pl-PL" dirty="0"/>
+          </a:p>
+          <a:p>
+            <a:pPr marL="0" indent="0">
+              <a:buNone/>
+            </a:pPr>
+            <a:r>
+              <a:rPr lang="pl-PL" dirty="0"/>
+              <a:t>6. Wykonanie testów dla wszystkich metod ze strony: </a:t>
+            </a:r>
+            <a:r>
+              <a:rPr lang="pl-PL" dirty="0">
+                <a:hlinkClick r:id="rId2"/>
+              </a:rPr>
+              <a:t>https://jsonplaceholder.typicode.com</a:t>
+            </a:r>
+            <a:endParaRPr lang="pl-PL" dirty="0"/>
+          </a:p>
+          <a:p>
+            <a:pPr marL="0" indent="0">
+              <a:buNone/>
+            </a:pPr>
+            <a:r>
+              <a:rPr lang="pl-PL" dirty="0">
+                <a:hlinkClick r:id="rId3"/>
+              </a:rPr>
+              <a:t>https://github.com/typicode/jsonplaceholder</a:t>
+            </a:r>
+            <a:endParaRPr lang="pl-PL" dirty="0"/>
+          </a:p>
+          <a:p>
+            <a:pPr marL="0" indent="0">
+              <a:buNone/>
+            </a:pPr>
+            <a:endParaRPr lang="pl-PL" dirty="0"/>
+          </a:p>
+          <a:p>
+            <a:pPr marL="0" indent="0">
+              <a:buNone/>
+            </a:pPr>
+            <a:r>
+              <a:rPr lang="pl-PL" dirty="0"/>
+              <a:t>7. Instalacja i konfiguracja </a:t>
+            </a:r>
+            <a:r>
+              <a:rPr lang="pl-PL" dirty="0" err="1"/>
+              <a:t>Jasmine</a:t>
+            </a:r>
+            <a:r>
+              <a:rPr lang="pl-PL" dirty="0"/>
+              <a:t>-report + </a:t>
+            </a:r>
+            <a:r>
+              <a:rPr lang="pl-PL" dirty="0" err="1"/>
+              <a:t>protractor</a:t>
+            </a:r>
+            <a:r>
+              <a:rPr lang="pl-PL" dirty="0"/>
+              <a:t> </a:t>
+            </a:r>
+            <a:r>
+              <a:rPr lang="pl-PL" dirty="0" err="1"/>
+              <a:t>html</a:t>
+            </a:r>
+            <a:r>
+              <a:rPr lang="pl-PL" dirty="0"/>
+              <a:t> report:</a:t>
+            </a:r>
+          </a:p>
+          <a:p>
+            <a:pPr marL="0" indent="0">
+              <a:buNone/>
+            </a:pPr>
+            <a:r>
+              <a:rPr lang="pl-PL" dirty="0">
+                <a:hlinkClick r:id="rId4"/>
+              </a:rPr>
+              <a:t>https://github.com/larrymyers/jasmine-reporters</a:t>
+            </a:r>
+            <a:endParaRPr lang="pl-PL" dirty="0"/>
+          </a:p>
+          <a:p>
+            <a:pPr marL="0" indent="0">
+              <a:buNone/>
+            </a:pPr>
+            <a:r>
+              <a:rPr lang="pl-PL" dirty="0">
+                <a:hlinkClick r:id="rId5"/>
+              </a:rPr>
+              <a:t>https://www.npmjs.com/package/protractor-html-reporter</a:t>
+            </a:r>
+            <a:endParaRPr lang="pl-PL" dirty="0"/>
+          </a:p>
+          <a:p>
+            <a:pPr marL="0" indent="0">
+              <a:buNone/>
+            </a:pPr>
+            <a:endParaRPr lang="pl-PL" dirty="0"/>
+          </a:p>
+          <a:p>
+            <a:pPr marL="0" indent="0">
+              <a:buNone/>
+            </a:pPr>
+            <a:endParaRPr lang="pl-PL" dirty="0"/>
+          </a:p>
+        </p:txBody>
+      </p:sp>
+      <p:sp>
+        <p:nvSpPr>
+          <p:cNvPr id="4" name="Symbol zastępczy stopki 3">
+            <a:extLst>
+              <a:ext uri="{FF2B5EF4-FFF2-40B4-BE49-F238E27FC236}">
+                <a16:creationId xmlns:a16="http://schemas.microsoft.com/office/drawing/2014/main" id="{B3F73133-637B-46B3-A9E6-19940475DEA1}"/>
+              </a:ext>
+            </a:extLst>
+          </p:cNvPr>
+          <p:cNvSpPr>
+            <a:spLocks noGrp="1"/>
+          </p:cNvSpPr>
+          <p:nvPr>
+            <p:ph type="ftr" sz="quarter" idx="11"/>
+          </p:nvPr>
+        </p:nvSpPr>
+        <p:spPr/>
+        <p:txBody>
+          <a:bodyPr/>
+          <a:lstStyle/>
+          <a:p>
+            <a:r>
+              <a:rPr lang="pl-PL"/>
+              <a:t>autor: Michał Ożibko</a:t>
+            </a:r>
+          </a:p>
+        </p:txBody>
+      </p:sp>
+      <p:sp>
+        <p:nvSpPr>
+          <p:cNvPr id="5" name="Symbol zastępczy numeru slajdu 4">
+            <a:extLst>
+              <a:ext uri="{FF2B5EF4-FFF2-40B4-BE49-F238E27FC236}">
+                <a16:creationId xmlns:a16="http://schemas.microsoft.com/office/drawing/2014/main" id="{D3BA1EAB-8BF2-4A31-BF76-615F7A605013}"/>
+              </a:ext>
+            </a:extLst>
+          </p:cNvPr>
+          <p:cNvSpPr>
+            <a:spLocks noGrp="1"/>
+          </p:cNvSpPr>
+          <p:nvPr>
+            <p:ph type="sldNum" sz="quarter" idx="12"/>
+          </p:nvPr>
+        </p:nvSpPr>
+        <p:spPr/>
+        <p:txBody>
+          <a:bodyPr/>
+          <a:lstStyle/>
+          <a:p>
+            <a:fld id="{806354AA-33AD-4849-81BA-3FB3F4B3EC4E}" type="slidenum">
+              <a:rPr lang="pl-PL" smtClean="0"/>
+              <a:t>17</a:t>
+            </a:fld>
+            <a:endParaRPr lang="pl-PL"/>
+          </a:p>
+        </p:txBody>
+      </p:sp>
+    </p:spTree>
+    <p:extLst>
+      <p:ext uri="{BB962C8B-B14F-4D97-AF65-F5344CB8AC3E}">
+        <p14:creationId xmlns:p14="http://schemas.microsoft.com/office/powerpoint/2010/main" val="3310470839"/>
+      </p:ext>
+    </p:extLst>
+  </p:cSld>
+  <p:clrMapOvr>
+    <a:masterClrMapping/>
+  </p:clrMapOvr>
+</p:sld>
+</file>
+
+<file path=ppt/slides/slide18.xml><?xml version="1.0" encoding="utf-8"?>
+<p:sld xmlns:a="http://schemas.openxmlformats.org/drawingml/2006/main" xmlns:r="http://schemas.openxmlformats.org/officeDocument/2006/relationships" xmlns:p="http://schemas.openxmlformats.org/presentationml/2006/main">
+  <p:cSld>
+    <p:spTree>
+      <p:nvGrpSpPr>
+        <p:cNvPr id="1" name=""/>
+        <p:cNvGrpSpPr/>
+        <p:nvPr/>
+      </p:nvGrpSpPr>
+      <p:grpSpPr>
+        <a:xfrm>
+          <a:off x="0" y="0"/>
+          <a:ext cx="0" cy="0"/>
+          <a:chOff x="0" y="0"/>
+          <a:chExt cx="0" cy="0"/>
+        </a:xfrm>
+      </p:grpSpPr>
+      <p:sp>
+        <p:nvSpPr>
+          <p:cNvPr id="2" name="Tytuł 1">
+            <a:extLst>
+              <a:ext uri="{FF2B5EF4-FFF2-40B4-BE49-F238E27FC236}">
                 <a16:creationId xmlns:a16="http://schemas.microsoft.com/office/drawing/2014/main" id="{88635C27-6246-46B2-9A58-E36E6E4DEFD0}"/>
               </a:ext>
             </a:extLst>
@@ -11633,6 +12032,28 @@
             <a:pPr marL="0" indent="0">
               <a:buNone/>
             </a:pPr>
+            <a:r>
+              <a:rPr lang="pl-PL" dirty="0"/>
+              <a:t>9. Użycie mechanizmu </a:t>
+            </a:r>
+            <a:r>
+              <a:rPr lang="pl-PL" dirty="0" err="1"/>
+              <a:t>promise</a:t>
+            </a:r>
+            <a:r>
+              <a:rPr lang="pl-PL" dirty="0"/>
+              <a:t> w testach </a:t>
+            </a:r>
+            <a:r>
+              <a:rPr lang="pl-PL" dirty="0" err="1"/>
+              <a:t>RestAPI</a:t>
+            </a:r>
+            <a:endParaRPr lang="pl-PL" dirty="0"/>
+          </a:p>
+          <a:p>
+            <a:pPr marL="0" indent="0">
+              <a:buNone/>
+            </a:pPr>
             <a:endParaRPr lang="pl-PL" dirty="0"/>
           </a:p>
           <a:p>
@@ -11694,7 +12115,7 @@
           <a:p>
             <a:fld id="{806354AA-33AD-4849-81BA-3FB3F4B3EC4E}" type="slidenum">
               <a:rPr lang="pl-PL" smtClean="0"/>
-              <a:t>17</a:t>
+              <a:t>18</a:t>
             </a:fld>
             <a:endParaRPr lang="pl-PL"/>
           </a:p>
@@ -12176,7 +12597,7 @@
           <p:cNvPr id="2" name="Tytuł 1">
             <a:extLst>
               <a:ext uri="{FF2B5EF4-FFF2-40B4-BE49-F238E27FC236}">
-                <a16:creationId xmlns:a16="http://schemas.microsoft.com/office/drawing/2014/main" id="{A480AE10-CFA9-430C-80AD-8FE9640D892A}"/>
+                <a16:creationId xmlns:a16="http://schemas.microsoft.com/office/drawing/2014/main" id="{EE52DE9A-C98A-40FE-B6FF-761D85534400}"/>
               </a:ext>
             </a:extLst>
           </p:cNvPr>
@@ -12204,7 +12625,7 @@
           <p:cNvPr id="3" name="Symbol zastępczy zawartości 2">
             <a:extLst>
               <a:ext uri="{FF2B5EF4-FFF2-40B4-BE49-F238E27FC236}">
-                <a16:creationId xmlns:a16="http://schemas.microsoft.com/office/drawing/2014/main" id="{5111774C-0B66-48C6-92BC-C09E18760070}"/>
+                <a16:creationId xmlns:a16="http://schemas.microsoft.com/office/drawing/2014/main" id="{C0000F3A-4758-4909-BAAD-7C706E319F72}"/>
               </a:ext>
             </a:extLst>
           </p:cNvPr>
@@ -12217,9 +12638,7 @@
         </p:nvSpPr>
         <p:spPr/>
         <p:txBody>
-          <a:bodyPr>
-            <a:normAutofit fontScale="85000" lnSpcReduction="20000"/>
-          </a:bodyPr>
+          <a:bodyPr/>
           <a:lstStyle/>
           <a:p>
             <a:pPr marL="0" indent="0">
@@ -12227,83 +12646,47 @@
             </a:pPr>
             <a:r>
               <a:rPr lang="pl-PL" dirty="0"/>
-              <a:t>Główne cechy REST:</a:t>
-            </a:r>
-          </a:p>
-          <a:p>
-            <a:pPr marL="514350" indent="-514350">
-              <a:buFont typeface="+mj-lt"/>
-              <a:buAutoNum type="arabicPeriod"/>
-            </a:pPr>
-            <a:r>
-              <a:rPr lang="pl-PL" dirty="0"/>
-              <a:t>Adres URL jest identyfikatorem metody</a:t>
-            </a:r>
-          </a:p>
-          <a:p>
-            <a:pPr marL="514350" indent="-514350">
-              <a:buFont typeface="+mj-lt"/>
-              <a:buAutoNum type="arabicPeriod"/>
-            </a:pPr>
-            <a:r>
-              <a:rPr lang="pl-PL" dirty="0"/>
-              <a:t>Rodzaje przesyłanego </a:t>
+              <a:t>Zalety:</a:t>
+            </a:r>
+          </a:p>
+          <a:p>
+            <a:r>
+              <a:rPr lang="pl-PL" dirty="0"/>
+              <a:t>Rest API obecnie nie jest wiodącym standardem jeżeli chodzi o usługi WEB</a:t>
+            </a:r>
+          </a:p>
+          <a:p>
+            <a:r>
+              <a:rPr lang="pl-PL" dirty="0"/>
+              <a:t>Jest mniej „sformalizowany” niż konkurencyjne rozwiązanie SOAP</a:t>
+            </a:r>
+          </a:p>
+          <a:p>
+            <a:r>
+              <a:rPr lang="pl-PL" dirty="0"/>
+              <a:t>Posiada wsparciem w wielu </a:t>
             </a:r>
             <a:r>
               <a:rPr lang="pl-PL" dirty="0" err="1"/>
-              <a:t>kontentu</a:t>
-            </a:r>
-            <a:r>
-              <a:rPr lang="pl-PL" dirty="0"/>
-              <a:t>: JSON, XML, tekst, wartości binarne</a:t>
-            </a:r>
-          </a:p>
-          <a:p>
-            <a:pPr marL="514350" indent="-514350">
-              <a:buFont typeface="+mj-lt"/>
-              <a:buAutoNum type="arabicPeriod"/>
-            </a:pPr>
-            <a:r>
-              <a:rPr lang="pl-PL" dirty="0"/>
-              <a:t>Metody protokołu: </a:t>
-            </a:r>
-          </a:p>
-          <a:p>
-            <a:pPr lvl="1"/>
-            <a:r>
-              <a:rPr lang="pl-PL" dirty="0"/>
-              <a:t>GET – pobieranie (kolekcję, pojedyncze wartości)</a:t>
-            </a:r>
-          </a:p>
-          <a:p>
-            <a:pPr lvl="1"/>
-            <a:r>
-              <a:rPr lang="pl-PL" dirty="0"/>
-              <a:t>POST – tworzenie (kolekcje)</a:t>
-            </a:r>
-          </a:p>
-          <a:p>
-            <a:pPr lvl="1"/>
-            <a:r>
-              <a:rPr lang="pl-PL" dirty="0"/>
-              <a:t>PUT – aktualizacja (pojedynczy element)</a:t>
-            </a:r>
-          </a:p>
-          <a:p>
-            <a:pPr lvl="1"/>
-            <a:r>
-              <a:rPr lang="pl-PL" dirty="0"/>
-              <a:t>DELETE – usuwanie (pojedynczy element)</a:t>
-            </a:r>
-          </a:p>
-          <a:p>
-            <a:pPr marL="514350" indent="-514350">
-              <a:buFont typeface="+mj-lt"/>
-              <a:buAutoNum type="arabicPeriod"/>
-            </a:pPr>
-            <a:r>
-              <a:rPr lang="pl-PL" dirty="0"/>
-              <a:t>Format odbioru: JSON, XML, tekst, wartość binarna</a:t>
+              <a:t>frameworkach</a:t>
+            </a:r>
+            <a:r>
+              <a:rPr lang="pl-PL" dirty="0"/>
+              <a:t> tj. </a:t>
+            </a:r>
+            <a:r>
+              <a:rPr lang="pl-PL" dirty="0" err="1"/>
+              <a:t>NodeJS</a:t>
+            </a:r>
+            <a:r>
+              <a:rPr lang="pl-PL" dirty="0"/>
+              <a:t>, .Net, Java </a:t>
+            </a:r>
+          </a:p>
+          <a:p>
+            <a:r>
+              <a:rPr lang="pl-PL" dirty="0"/>
+              <a:t>Szybkość tworzenie</a:t>
             </a:r>
           </a:p>
         </p:txBody>
@@ -12313,7 +12696,7 @@
           <p:cNvPr id="4" name="Symbol zastępczy stopki 3">
             <a:extLst>
               <a:ext uri="{FF2B5EF4-FFF2-40B4-BE49-F238E27FC236}">
-                <a16:creationId xmlns:a16="http://schemas.microsoft.com/office/drawing/2014/main" id="{93101F5C-B12D-41E9-ADFA-F3A875E3C594}"/>
+                <a16:creationId xmlns:a16="http://schemas.microsoft.com/office/drawing/2014/main" id="{1A94DC12-E8DD-40D9-8493-E75D6C93E054}"/>
               </a:ext>
             </a:extLst>
           </p:cNvPr>
@@ -12341,7 +12724,7 @@
           <p:cNvPr id="5" name="Symbol zastępczy numeru slajdu 4">
             <a:extLst>
               <a:ext uri="{FF2B5EF4-FFF2-40B4-BE49-F238E27FC236}">
-                <a16:creationId xmlns:a16="http://schemas.microsoft.com/office/drawing/2014/main" id="{5C217869-3B65-4122-866D-B9F076195997}"/>
+                <a16:creationId xmlns:a16="http://schemas.microsoft.com/office/drawing/2014/main" id="{4D09EE98-3DFD-49DB-8DFF-980DC79750A9}"/>
               </a:ext>
             </a:extLst>
           </p:cNvPr>
@@ -12370,7 +12753,7 @@
           <p:cNvPr id="6" name="Picture 2" descr="Znalezione obrazy dla zapytania rest api logo">
             <a:extLst>
               <a:ext uri="{FF2B5EF4-FFF2-40B4-BE49-F238E27FC236}">
-                <a16:creationId xmlns:a16="http://schemas.microsoft.com/office/drawing/2014/main" id="{CBDF1B75-2421-49FB-A9F3-E60EBFD8A1A3}"/>
+                <a16:creationId xmlns:a16="http://schemas.microsoft.com/office/drawing/2014/main" id="{3CC07141-B864-44E6-A004-8EA4E2FDF745}"/>
               </a:ext>
             </a:extLst>
           </p:cNvPr>
@@ -12415,7 +12798,7 @@
     </p:spTree>
     <p:extLst>
       <p:ext uri="{BB962C8B-B14F-4D97-AF65-F5344CB8AC3E}">
-        <p14:creationId xmlns:p14="http://schemas.microsoft.com/office/powerpoint/2010/main" val="3549281107"/>
+        <p14:creationId xmlns:p14="http://schemas.microsoft.com/office/powerpoint/2010/main" val="1811994787"/>
       </p:ext>
     </p:extLst>
   </p:cSld>
@@ -12447,6 +12830,277 @@
           <p:cNvPr id="2" name="Tytuł 1">
             <a:extLst>
               <a:ext uri="{FF2B5EF4-FFF2-40B4-BE49-F238E27FC236}">
+                <a16:creationId xmlns:a16="http://schemas.microsoft.com/office/drawing/2014/main" id="{A480AE10-CFA9-430C-80AD-8FE9640D892A}"/>
+              </a:ext>
+            </a:extLst>
+          </p:cNvPr>
+          <p:cNvSpPr>
+            <a:spLocks noGrp="1"/>
+          </p:cNvSpPr>
+          <p:nvPr>
+            <p:ph type="title"/>
+          </p:nvPr>
+        </p:nvSpPr>
+        <p:spPr/>
+        <p:txBody>
+          <a:bodyPr/>
+          <a:lstStyle/>
+          <a:p>
+            <a:r>
+              <a:rPr lang="pl-PL" dirty="0"/>
+              <a:t>REST API opis protokołu komunikacji</a:t>
+            </a:r>
+          </a:p>
+        </p:txBody>
+      </p:sp>
+      <p:sp>
+        <p:nvSpPr>
+          <p:cNvPr id="3" name="Symbol zastępczy zawartości 2">
+            <a:extLst>
+              <a:ext uri="{FF2B5EF4-FFF2-40B4-BE49-F238E27FC236}">
+                <a16:creationId xmlns:a16="http://schemas.microsoft.com/office/drawing/2014/main" id="{5111774C-0B66-48C6-92BC-C09E18760070}"/>
+              </a:ext>
+            </a:extLst>
+          </p:cNvPr>
+          <p:cNvSpPr>
+            <a:spLocks noGrp="1"/>
+          </p:cNvSpPr>
+          <p:nvPr>
+            <p:ph idx="1"/>
+          </p:nvPr>
+        </p:nvSpPr>
+        <p:spPr/>
+        <p:txBody>
+          <a:bodyPr>
+            <a:normAutofit fontScale="85000" lnSpcReduction="20000"/>
+          </a:bodyPr>
+          <a:lstStyle/>
+          <a:p>
+            <a:pPr marL="0" indent="0">
+              <a:buNone/>
+            </a:pPr>
+            <a:r>
+              <a:rPr lang="pl-PL" dirty="0"/>
+              <a:t>Główne cechy REST:</a:t>
+            </a:r>
+          </a:p>
+          <a:p>
+            <a:pPr marL="514350" indent="-514350">
+              <a:buFont typeface="+mj-lt"/>
+              <a:buAutoNum type="arabicPeriod"/>
+            </a:pPr>
+            <a:r>
+              <a:rPr lang="pl-PL" dirty="0"/>
+              <a:t>Adres URL jest identyfikatorem metody</a:t>
+            </a:r>
+          </a:p>
+          <a:p>
+            <a:pPr marL="514350" indent="-514350">
+              <a:buFont typeface="+mj-lt"/>
+              <a:buAutoNum type="arabicPeriod"/>
+            </a:pPr>
+            <a:r>
+              <a:rPr lang="pl-PL" dirty="0"/>
+              <a:t>Rodzaje przesyłanego </a:t>
+            </a:r>
+            <a:r>
+              <a:rPr lang="pl-PL" dirty="0" err="1"/>
+              <a:t>kontentu</a:t>
+            </a:r>
+            <a:r>
+              <a:rPr lang="pl-PL" dirty="0"/>
+              <a:t>: JSON, XML, tekst, wartości binarne</a:t>
+            </a:r>
+          </a:p>
+          <a:p>
+            <a:pPr marL="514350" indent="-514350">
+              <a:buFont typeface="+mj-lt"/>
+              <a:buAutoNum type="arabicPeriod"/>
+            </a:pPr>
+            <a:r>
+              <a:rPr lang="pl-PL" dirty="0"/>
+              <a:t>Metody protokołu: </a:t>
+            </a:r>
+          </a:p>
+          <a:p>
+            <a:pPr lvl="1"/>
+            <a:r>
+              <a:rPr lang="pl-PL" dirty="0"/>
+              <a:t>GET – pobieranie (kolekcję, pojedyncze wartości)</a:t>
+            </a:r>
+          </a:p>
+          <a:p>
+            <a:pPr lvl="1"/>
+            <a:r>
+              <a:rPr lang="pl-PL" dirty="0"/>
+              <a:t>POST – tworzenie (kolekcje)</a:t>
+            </a:r>
+          </a:p>
+          <a:p>
+            <a:pPr lvl="1"/>
+            <a:r>
+              <a:rPr lang="pl-PL" dirty="0"/>
+              <a:t>PUT – aktualizacja (pojedynczy element)</a:t>
+            </a:r>
+          </a:p>
+          <a:p>
+            <a:pPr lvl="1"/>
+            <a:r>
+              <a:rPr lang="pl-PL" dirty="0"/>
+              <a:t>DELETE – usuwanie (pojedynczy element)</a:t>
+            </a:r>
+          </a:p>
+          <a:p>
+            <a:pPr marL="514350" indent="-514350">
+              <a:buFont typeface="+mj-lt"/>
+              <a:buAutoNum type="arabicPeriod"/>
+            </a:pPr>
+            <a:r>
+              <a:rPr lang="pl-PL" dirty="0"/>
+              <a:t>Format odbioru: JSON, XML, tekst, wartość binarna</a:t>
+            </a:r>
+          </a:p>
+        </p:txBody>
+      </p:sp>
+      <p:sp>
+        <p:nvSpPr>
+          <p:cNvPr id="4" name="Symbol zastępczy stopki 3">
+            <a:extLst>
+              <a:ext uri="{FF2B5EF4-FFF2-40B4-BE49-F238E27FC236}">
+                <a16:creationId xmlns:a16="http://schemas.microsoft.com/office/drawing/2014/main" id="{93101F5C-B12D-41E9-ADFA-F3A875E3C594}"/>
+              </a:ext>
+            </a:extLst>
+          </p:cNvPr>
+          <p:cNvSpPr>
+            <a:spLocks noGrp="1"/>
+          </p:cNvSpPr>
+          <p:nvPr>
+            <p:ph type="ftr" sz="quarter" idx="11"/>
+          </p:nvPr>
+        </p:nvSpPr>
+        <p:spPr/>
+        <p:txBody>
+          <a:bodyPr/>
+          <a:lstStyle/>
+          <a:p>
+            <a:r>
+              <a:rPr lang="pl-PL"/>
+              <a:t>autor: Michał Ożibko</a:t>
+            </a:r>
+          </a:p>
+        </p:txBody>
+      </p:sp>
+      <p:sp>
+        <p:nvSpPr>
+          <p:cNvPr id="5" name="Symbol zastępczy numeru slajdu 4">
+            <a:extLst>
+              <a:ext uri="{FF2B5EF4-FFF2-40B4-BE49-F238E27FC236}">
+                <a16:creationId xmlns:a16="http://schemas.microsoft.com/office/drawing/2014/main" id="{5C217869-3B65-4122-866D-B9F076195997}"/>
+              </a:ext>
+            </a:extLst>
+          </p:cNvPr>
+          <p:cNvSpPr>
+            <a:spLocks noGrp="1"/>
+          </p:cNvSpPr>
+          <p:nvPr>
+            <p:ph type="sldNum" sz="quarter" idx="12"/>
+          </p:nvPr>
+        </p:nvSpPr>
+        <p:spPr/>
+        <p:txBody>
+          <a:bodyPr/>
+          <a:lstStyle/>
+          <a:p>
+            <a:fld id="{806354AA-33AD-4849-81BA-3FB3F4B3EC4E}" type="slidenum">
+              <a:rPr lang="pl-PL" smtClean="0"/>
+              <a:t>5</a:t>
+            </a:fld>
+            <a:endParaRPr lang="pl-PL"/>
+          </a:p>
+        </p:txBody>
+      </p:sp>
+      <p:pic>
+        <p:nvPicPr>
+          <p:cNvPr id="6" name="Picture 2" descr="Znalezione obrazy dla zapytania rest api logo">
+            <a:extLst>
+              <a:ext uri="{FF2B5EF4-FFF2-40B4-BE49-F238E27FC236}">
+                <a16:creationId xmlns:a16="http://schemas.microsoft.com/office/drawing/2014/main" id="{CBDF1B75-2421-49FB-A9F3-E60EBFD8A1A3}"/>
+              </a:ext>
+            </a:extLst>
+          </p:cNvPr>
+          <p:cNvPicPr>
+            <a:picLocks noChangeAspect="1" noChangeArrowheads="1"/>
+          </p:cNvPicPr>
+          <p:nvPr/>
+        </p:nvPicPr>
+        <p:blipFill>
+          <a:blip r:embed="rId2">
+            <a:extLst>
+              <a:ext uri="{28A0092B-C50C-407E-A947-70E740481C1C}">
+                <a14:useLocalDpi xmlns:a14="http://schemas.microsoft.com/office/drawing/2010/main" val="0"/>
+              </a:ext>
+            </a:extLst>
+          </a:blip>
+          <a:srcRect/>
+          <a:stretch>
+            <a:fillRect/>
+          </a:stretch>
+        </p:blipFill>
+        <p:spPr bwMode="auto">
+          <a:xfrm>
+            <a:off x="8039097" y="3769608"/>
+            <a:ext cx="2857500" cy="2857500"/>
+          </a:xfrm>
+          <a:prstGeom prst="rect">
+            <a:avLst/>
+          </a:prstGeom>
+          <a:noFill/>
+          <a:extLst>
+            <a:ext uri="{909E8E84-426E-40DD-AFC4-6F175D3DCCD1}">
+              <a14:hiddenFill xmlns:a14="http://schemas.microsoft.com/office/drawing/2010/main">
+                <a:solidFill>
+                  <a:srgbClr val="FFFFFF"/>
+                </a:solidFill>
+              </a14:hiddenFill>
+            </a:ext>
+          </a:extLst>
+        </p:spPr>
+      </p:pic>
+    </p:spTree>
+    <p:extLst>
+      <p:ext uri="{BB962C8B-B14F-4D97-AF65-F5344CB8AC3E}">
+        <p14:creationId xmlns:p14="http://schemas.microsoft.com/office/powerpoint/2010/main" val="3549281107"/>
+      </p:ext>
+    </p:extLst>
+  </p:cSld>
+  <p:clrMapOvr>
+    <a:masterClrMapping/>
+  </p:clrMapOvr>
+</p:sld>
+</file>
+
+<file path=ppt/slides/slide6.xml><?xml version="1.0" encoding="utf-8"?>
+<p:sld xmlns:a="http://schemas.openxmlformats.org/drawingml/2006/main" xmlns:r="http://schemas.openxmlformats.org/officeDocument/2006/relationships" xmlns:p="http://schemas.openxmlformats.org/presentationml/2006/main">
+  <p:cSld>
+    <p:spTree>
+      <p:nvGrpSpPr>
+        <p:cNvPr id="1" name=""/>
+        <p:cNvGrpSpPr/>
+        <p:nvPr/>
+      </p:nvGrpSpPr>
+      <p:grpSpPr>
+        <a:xfrm>
+          <a:off x="0" y="0"/>
+          <a:ext cx="0" cy="0"/>
+          <a:chOff x="0" y="0"/>
+          <a:chExt cx="0" cy="0"/>
+        </a:xfrm>
+      </p:grpSpPr>
+      <p:sp>
+        <p:nvSpPr>
+          <p:cNvPr id="2" name="Tytuł 1">
+            <a:extLst>
+              <a:ext uri="{FF2B5EF4-FFF2-40B4-BE49-F238E27FC236}">
                 <a16:creationId xmlns:a16="http://schemas.microsoft.com/office/drawing/2014/main" id="{E7F97CDE-EC00-4AB2-8294-F8F1FD58F2FC}"/>
               </a:ext>
             </a:extLst>
@@ -12671,7 +13325,7 @@
           <a:p>
             <a:fld id="{806354AA-33AD-4849-81BA-3FB3F4B3EC4E}" type="slidenum">
               <a:rPr lang="pl-PL" smtClean="0"/>
-              <a:t>5</a:t>
+              <a:t>6</a:t>
             </a:fld>
             <a:endParaRPr lang="pl-PL"/>
           </a:p>
@@ -12923,7 +13577,7 @@
 </p:sld>
 </file>
 
-<file path=ppt/slides/slide6.xml><?xml version="1.0" encoding="utf-8"?>
+<file path=ppt/slides/slide7.xml><?xml version="1.0" encoding="utf-8"?>
 <p:sld xmlns:a="http://schemas.openxmlformats.org/drawingml/2006/main" xmlns:r="http://schemas.openxmlformats.org/officeDocument/2006/relationships" xmlns:p="http://schemas.openxmlformats.org/presentationml/2006/main">
   <p:cSld>
     <p:spTree>
@@ -13131,7 +13785,7 @@
           <a:p>
             <a:fld id="{806354AA-33AD-4849-81BA-3FB3F4B3EC4E}" type="slidenum">
               <a:rPr lang="pl-PL" smtClean="0"/>
-              <a:t>6</a:t>
+              <a:t>7</a:t>
             </a:fld>
             <a:endParaRPr lang="pl-PL"/>
           </a:p>
@@ -13197,7 +13851,7 @@
 </p:sld>
 </file>
 
-<file path=ppt/slides/slide7.xml><?xml version="1.0" encoding="utf-8"?>
+<file path=ppt/slides/slide8.xml><?xml version="1.0" encoding="utf-8"?>
 <p:sld xmlns:a="http://schemas.openxmlformats.org/drawingml/2006/main" xmlns:r="http://schemas.openxmlformats.org/officeDocument/2006/relationships" xmlns:p="http://schemas.openxmlformats.org/presentationml/2006/main">
   <p:cSld>
     <p:spTree>
@@ -13511,7 +14165,7 @@
           <a:lstStyle/>
           <a:p>
             <a:r>
-              <a:rPr lang="pl-PL"/>
+              <a:rPr lang="pl-PL" dirty="0"/>
               <a:t>autor: Michał Ożibko</a:t>
             </a:r>
           </a:p>
@@ -13540,7 +14194,7 @@
           <a:p>
             <a:fld id="{806354AA-33AD-4849-81BA-3FB3F4B3EC4E}" type="slidenum">
               <a:rPr lang="pl-PL" smtClean="0"/>
-              <a:t>7</a:t>
+              <a:t>8</a:t>
             </a:fld>
             <a:endParaRPr lang="pl-PL"/>
           </a:p>
@@ -13606,7 +14260,7 @@
 </p:sld>
 </file>
 
-<file path=ppt/slides/slide8.xml><?xml version="1.0" encoding="utf-8"?>
+<file path=ppt/slides/slide9.xml><?xml version="1.0" encoding="utf-8"?>
 <p:sld xmlns:a="http://schemas.openxmlformats.org/drawingml/2006/main" xmlns:r="http://schemas.openxmlformats.org/officeDocument/2006/relationships" xmlns:p="http://schemas.openxmlformats.org/presentationml/2006/main">
   <p:cSld>
     <p:spTree>
@@ -13905,7 +14559,7 @@
           <a:p>
             <a:fld id="{806354AA-33AD-4849-81BA-3FB3F4B3EC4E}" type="slidenum">
               <a:rPr lang="pl-PL" smtClean="0"/>
-              <a:t>8</a:t>
+              <a:t>9</a:t>
             </a:fld>
             <a:endParaRPr lang="pl-PL"/>
           </a:p>
@@ -13962,399 +14616,6 @@
     <p:extLst>
       <p:ext uri="{BB962C8B-B14F-4D97-AF65-F5344CB8AC3E}">
         <p14:creationId xmlns:p14="http://schemas.microsoft.com/office/powerpoint/2010/main" val="900043255"/>
-      </p:ext>
-    </p:extLst>
-  </p:cSld>
-  <p:clrMapOvr>
-    <a:masterClrMapping/>
-  </p:clrMapOvr>
-</p:sld>
-</file>
-
-<file path=ppt/slides/slide9.xml><?xml version="1.0" encoding="utf-8"?>
-<p:sld xmlns:a="http://schemas.openxmlformats.org/drawingml/2006/main" xmlns:r="http://schemas.openxmlformats.org/officeDocument/2006/relationships" xmlns:p="http://schemas.openxmlformats.org/presentationml/2006/main">
-  <p:cSld>
-    <p:spTree>
-      <p:nvGrpSpPr>
-        <p:cNvPr id="1" name=""/>
-        <p:cNvGrpSpPr/>
-        <p:nvPr/>
-      </p:nvGrpSpPr>
-      <p:grpSpPr>
-        <a:xfrm>
-          <a:off x="0" y="0"/>
-          <a:ext cx="0" cy="0"/>
-          <a:chOff x="0" y="0"/>
-          <a:chExt cx="0" cy="0"/>
-        </a:xfrm>
-      </p:grpSpPr>
-      <p:sp>
-        <p:nvSpPr>
-          <p:cNvPr id="2" name="Tytuł 1">
-            <a:extLst>
-              <a:ext uri="{FF2B5EF4-FFF2-40B4-BE49-F238E27FC236}">
-                <a16:creationId xmlns:a16="http://schemas.microsoft.com/office/drawing/2014/main" id="{FB20BE1F-BDAA-4E94-ABB0-68961976E5F4}"/>
-              </a:ext>
-            </a:extLst>
-          </p:cNvPr>
-          <p:cNvSpPr>
-            <a:spLocks noGrp="1"/>
-          </p:cNvSpPr>
-          <p:nvPr>
-            <p:ph type="title"/>
-          </p:nvPr>
-        </p:nvSpPr>
-        <p:spPr>
-          <a:xfrm>
-            <a:off x="1295402" y="982132"/>
-            <a:ext cx="9601196" cy="1303867"/>
-          </a:xfrm>
-        </p:spPr>
-        <p:txBody>
-          <a:bodyPr/>
-          <a:lstStyle/>
-          <a:p>
-            <a:r>
-              <a:rPr lang="pl-PL" dirty="0" err="1"/>
-              <a:t>Protractor</a:t>
-            </a:r>
-            <a:r>
-              <a:rPr lang="pl-PL" dirty="0"/>
-              <a:t> – opis narzędzia</a:t>
-            </a:r>
-          </a:p>
-        </p:txBody>
-      </p:sp>
-      <p:sp>
-        <p:nvSpPr>
-          <p:cNvPr id="3" name="Symbol zastępczy zawartości 2">
-            <a:extLst>
-              <a:ext uri="{FF2B5EF4-FFF2-40B4-BE49-F238E27FC236}">
-                <a16:creationId xmlns:a16="http://schemas.microsoft.com/office/drawing/2014/main" id="{A58853FE-2B48-4C87-A8BE-40261EA102C8}"/>
-              </a:ext>
-            </a:extLst>
-          </p:cNvPr>
-          <p:cNvSpPr>
-            <a:spLocks noGrp="1"/>
-          </p:cNvSpPr>
-          <p:nvPr>
-            <p:ph idx="1"/>
-          </p:nvPr>
-        </p:nvSpPr>
-        <p:spPr>
-          <a:xfrm>
-            <a:off x="1303178" y="2556932"/>
-            <a:ext cx="9601196" cy="3318936"/>
-          </a:xfrm>
-        </p:spPr>
-        <p:txBody>
-          <a:bodyPr/>
-          <a:lstStyle/>
-          <a:p>
-            <a:pPr marL="0" indent="0">
-              <a:buNone/>
-            </a:pPr>
-            <a:r>
-              <a:rPr lang="pl-PL" b="1" dirty="0" err="1"/>
-              <a:t>Protractor</a:t>
-            </a:r>
-            <a:r>
-              <a:rPr lang="pl-PL" dirty="0"/>
-              <a:t> jest dedykowanym narzędziem do testów automatycznych dla aplikacji wytworzonych w </a:t>
-            </a:r>
-            <a:r>
-              <a:rPr lang="pl-PL" dirty="0" err="1"/>
-              <a:t>frameworku</a:t>
-            </a:r>
-            <a:r>
-              <a:rPr lang="pl-PL" dirty="0"/>
-              <a:t> </a:t>
-            </a:r>
-            <a:r>
-              <a:rPr lang="pl-PL" dirty="0" err="1"/>
-              <a:t>Angular</a:t>
-            </a:r>
-            <a:r>
-              <a:rPr lang="pl-PL" dirty="0"/>
-              <a:t>, główne właściwości:</a:t>
-            </a:r>
-          </a:p>
-          <a:p>
-            <a:r>
-              <a:rPr lang="pl-PL" dirty="0"/>
-              <a:t>Dedykowany </a:t>
-            </a:r>
-            <a:r>
-              <a:rPr lang="pl-PL" dirty="0" err="1"/>
-              <a:t>lokatory</a:t>
-            </a:r>
-            <a:r>
-              <a:rPr lang="pl-PL" dirty="0"/>
-              <a:t> dla technologii </a:t>
-            </a:r>
-            <a:r>
-              <a:rPr lang="pl-PL" dirty="0" err="1"/>
-              <a:t>angular</a:t>
-            </a:r>
-            <a:r>
-              <a:rPr lang="pl-PL" dirty="0"/>
-              <a:t> tj. </a:t>
-            </a:r>
-          </a:p>
-          <a:p>
-            <a:pPr lvl="1"/>
-            <a:r>
-              <a:rPr lang="pl-PL" sz="2000" dirty="0" err="1"/>
-              <a:t>by.exactBinding</a:t>
-            </a:r>
-            <a:r>
-              <a:rPr lang="pl-PL" sz="2000" dirty="0"/>
-              <a:t> (przykład DOM: &lt;</a:t>
-            </a:r>
-            <a:r>
-              <a:rPr lang="pl-PL" sz="2000" dirty="0" err="1"/>
-              <a:t>span</a:t>
-            </a:r>
-            <a:r>
-              <a:rPr lang="pl-PL" sz="2000" dirty="0"/>
-              <a:t> </a:t>
-            </a:r>
-            <a:r>
-              <a:rPr lang="pl-PL" sz="2000" b="1" dirty="0" err="1"/>
-              <a:t>ng</a:t>
-            </a:r>
-            <a:r>
-              <a:rPr lang="pl-PL" sz="2000" b="1" dirty="0"/>
-              <a:t>-bind</a:t>
-            </a:r>
-            <a:r>
-              <a:rPr lang="pl-PL" sz="2000" dirty="0"/>
-              <a:t>=”person-email”&gt;&lt;/</a:t>
-            </a:r>
-            <a:r>
-              <a:rPr lang="pl-PL" sz="2000" dirty="0" err="1"/>
-              <a:t>span</a:t>
-            </a:r>
-            <a:r>
-              <a:rPr lang="pl-PL" sz="2000" dirty="0"/>
-              <a:t>&gt;)</a:t>
-            </a:r>
-          </a:p>
-          <a:p>
-            <a:pPr lvl="1"/>
-            <a:r>
-              <a:rPr lang="pl-PL" sz="2000" dirty="0" err="1"/>
-              <a:t>by.model</a:t>
-            </a:r>
-            <a:r>
-              <a:rPr lang="pl-PL" sz="2000" dirty="0"/>
-              <a:t> (przykład DOM: &lt;</a:t>
-            </a:r>
-            <a:r>
-              <a:rPr lang="pl-PL" sz="2000" dirty="0" err="1"/>
-              <a:t>input</a:t>
-            </a:r>
-            <a:r>
-              <a:rPr lang="pl-PL" sz="2000" dirty="0"/>
-              <a:t> </a:t>
-            </a:r>
-            <a:r>
-              <a:rPr lang="pl-PL" sz="2000" dirty="0" err="1"/>
-              <a:t>type</a:t>
-            </a:r>
-            <a:r>
-              <a:rPr lang="pl-PL" sz="2000" dirty="0"/>
-              <a:t>=”</a:t>
-            </a:r>
-            <a:r>
-              <a:rPr lang="pl-PL" sz="2000" dirty="0" err="1"/>
-              <a:t>text</a:t>
-            </a:r>
-            <a:r>
-              <a:rPr lang="pl-PL" sz="2000" dirty="0"/>
-              <a:t>” </a:t>
-            </a:r>
-            <a:r>
-              <a:rPr lang="pl-PL" sz="2000" b="1" dirty="0" err="1"/>
-              <a:t>ng</a:t>
-            </a:r>
-            <a:r>
-              <a:rPr lang="pl-PL" sz="2000" b="1" dirty="0"/>
-              <a:t>-model</a:t>
-            </a:r>
-            <a:r>
-              <a:rPr lang="pl-PL" sz="2000" dirty="0"/>
-              <a:t>=”person.name”&gt;)</a:t>
-            </a:r>
-          </a:p>
-          <a:p>
-            <a:pPr lvl="1"/>
-            <a:r>
-              <a:rPr lang="pl-PL" sz="2000" dirty="0" err="1"/>
-              <a:t>by.repeater</a:t>
-            </a:r>
-            <a:r>
-              <a:rPr lang="pl-PL" sz="2000" dirty="0"/>
-              <a:t> (przykład DOM: &lt;div </a:t>
-            </a:r>
-            <a:r>
-              <a:rPr lang="pl-PL" sz="2000" b="1" dirty="0" err="1"/>
-              <a:t>ng-repeat</a:t>
-            </a:r>
-            <a:r>
-              <a:rPr lang="pl-PL" sz="2000" dirty="0"/>
-              <a:t>=”</a:t>
-            </a:r>
-            <a:r>
-              <a:rPr lang="pl-PL" sz="2000" dirty="0" err="1"/>
-              <a:t>cat</a:t>
-            </a:r>
-            <a:r>
-              <a:rPr lang="pl-PL" sz="2000" dirty="0"/>
-              <a:t> in </a:t>
-            </a:r>
-            <a:r>
-              <a:rPr lang="pl-PL" sz="2000" dirty="0" err="1"/>
-              <a:t>pets</a:t>
-            </a:r>
-            <a:r>
-              <a:rPr lang="pl-PL" sz="2000" dirty="0"/>
-              <a:t>”&gt;)</a:t>
-            </a:r>
-          </a:p>
-          <a:p>
-            <a:pPr lvl="1"/>
-            <a:r>
-              <a:rPr lang="pl-PL" sz="2000" dirty="0" err="1"/>
-              <a:t>by.buttonText</a:t>
-            </a:r>
-            <a:endParaRPr lang="pl-PL" sz="2000" dirty="0"/>
-          </a:p>
-          <a:p>
-            <a:pPr lvl="1"/>
-            <a:endParaRPr lang="pl-PL" sz="2000" dirty="0"/>
-          </a:p>
-          <a:p>
-            <a:endParaRPr lang="pl-PL" sz="2400" dirty="0"/>
-          </a:p>
-          <a:p>
-            <a:pPr lvl="1"/>
-            <a:endParaRPr lang="pl-PL" dirty="0"/>
-          </a:p>
-          <a:p>
-            <a:pPr lvl="1"/>
-            <a:endParaRPr lang="pl-PL" dirty="0"/>
-          </a:p>
-        </p:txBody>
-      </p:sp>
-      <p:sp>
-        <p:nvSpPr>
-          <p:cNvPr id="4" name="Symbol zastępczy stopki 3">
-            <a:extLst>
-              <a:ext uri="{FF2B5EF4-FFF2-40B4-BE49-F238E27FC236}">
-                <a16:creationId xmlns:a16="http://schemas.microsoft.com/office/drawing/2014/main" id="{3ECC8FA7-EB74-4FA7-A4ED-51B11EF4759A}"/>
-              </a:ext>
-            </a:extLst>
-          </p:cNvPr>
-          <p:cNvSpPr>
-            <a:spLocks noGrp="1"/>
-          </p:cNvSpPr>
-          <p:nvPr>
-            <p:ph type="ftr" sz="quarter" idx="11"/>
-          </p:nvPr>
-        </p:nvSpPr>
-        <p:spPr/>
-        <p:txBody>
-          <a:bodyPr/>
-          <a:lstStyle/>
-          <a:p>
-            <a:r>
-              <a:rPr lang="pl-PL"/>
-              <a:t>autor: Michał Ożibko</a:t>
-            </a:r>
-          </a:p>
-        </p:txBody>
-      </p:sp>
-      <p:sp>
-        <p:nvSpPr>
-          <p:cNvPr id="5" name="Symbol zastępczy numeru slajdu 4">
-            <a:extLst>
-              <a:ext uri="{FF2B5EF4-FFF2-40B4-BE49-F238E27FC236}">
-                <a16:creationId xmlns:a16="http://schemas.microsoft.com/office/drawing/2014/main" id="{18172A65-7E61-4BE6-85BF-8D2587AA873B}"/>
-              </a:ext>
-            </a:extLst>
-          </p:cNvPr>
-          <p:cNvSpPr>
-            <a:spLocks noGrp="1"/>
-          </p:cNvSpPr>
-          <p:nvPr>
-            <p:ph type="sldNum" sz="quarter" idx="12"/>
-          </p:nvPr>
-        </p:nvSpPr>
-        <p:spPr/>
-        <p:txBody>
-          <a:bodyPr/>
-          <a:lstStyle/>
-          <a:p>
-            <a:fld id="{806354AA-33AD-4849-81BA-3FB3F4B3EC4E}" type="slidenum">
-              <a:rPr lang="pl-PL" smtClean="0"/>
-              <a:t>9</a:t>
-            </a:fld>
-            <a:endParaRPr lang="pl-PL"/>
-          </a:p>
-        </p:txBody>
-      </p:sp>
-      <p:pic>
-        <p:nvPicPr>
-          <p:cNvPr id="6148" name="Picture 4" descr="Znalezione obrazy dla zapytania protractor logo">
-            <a:extLst>
-              <a:ext uri="{FF2B5EF4-FFF2-40B4-BE49-F238E27FC236}">
-                <a16:creationId xmlns:a16="http://schemas.microsoft.com/office/drawing/2014/main" id="{C38EBB6D-9325-4C2D-B891-FFF772397A9A}"/>
-              </a:ext>
-            </a:extLst>
-          </p:cNvPr>
-          <p:cNvPicPr>
-            <a:picLocks noChangeAspect="1" noChangeArrowheads="1"/>
-          </p:cNvPicPr>
-          <p:nvPr/>
-        </p:nvPicPr>
-        <p:blipFill>
-          <a:blip r:embed="rId2">
-            <a:extLst>
-              <a:ext uri="{28A0092B-C50C-407E-A947-70E740481C1C}">
-                <a14:useLocalDpi xmlns:a14="http://schemas.microsoft.com/office/drawing/2010/main" val="0"/>
-              </a:ext>
-            </a:extLst>
-          </a:blip>
-          <a:srcRect/>
-          <a:stretch>
-            <a:fillRect/>
-          </a:stretch>
-        </p:blipFill>
-        <p:spPr bwMode="auto">
-          <a:xfrm>
-            <a:off x="7598421" y="5401409"/>
-            <a:ext cx="3305953" cy="745392"/>
-          </a:xfrm>
-          <a:prstGeom prst="rect">
-            <a:avLst/>
-          </a:prstGeom>
-          <a:noFill/>
-          <a:extLst>
-            <a:ext uri="{909E8E84-426E-40DD-AFC4-6F175D3DCCD1}">
-              <a14:hiddenFill xmlns:a14="http://schemas.microsoft.com/office/drawing/2010/main">
-                <a:solidFill>
-                  <a:srgbClr val="FFFFFF"/>
-                </a:solidFill>
-              </a14:hiddenFill>
-            </a:ext>
-          </a:extLst>
-        </p:spPr>
-      </p:pic>
-    </p:spTree>
-    <p:extLst>
-      <p:ext uri="{BB962C8B-B14F-4D97-AF65-F5344CB8AC3E}">
-        <p14:creationId xmlns:p14="http://schemas.microsoft.com/office/powerpoint/2010/main" val="1746654001"/>
       </p:ext>
     </p:extLst>
   </p:cSld>

--- a/JSRestApi/WarsztatQA.pptx
+++ b/JSRestApi/WarsztatQA.pptx
@@ -10765,7 +10765,9 @@
         </p:nvSpPr>
         <p:spPr/>
         <p:txBody>
-          <a:bodyPr/>
+          <a:bodyPr>
+            <a:normAutofit fontScale="92500" lnSpcReduction="10000"/>
+          </a:bodyPr>
           <a:lstStyle/>
           <a:p>
             <a:pPr marL="0" indent="0">
@@ -10825,19 +10827,58 @@
           <a:p>
             <a:pPr lvl="1"/>
             <a:r>
-              <a:rPr lang="pl-PL" dirty="0"/>
-              <a:t>Instalacja biblioteki lokalnie</a:t>
-            </a:r>
-          </a:p>
-          <a:p>
-            <a:pPr lvl="1"/>
-            <a:r>
-              <a:rPr lang="pl-PL" dirty="0"/>
-              <a:t>Zapytanie do serwisu: </a:t>
-            </a:r>
-            <a:r>
               <a:rPr lang="pl-PL" dirty="0">
                 <a:hlinkClick r:id="rId3"/>
+              </a:rPr>
+              <a:t>https://github.com/request/request</a:t>
+            </a:r>
+            <a:endParaRPr lang="pl-PL" dirty="0"/>
+          </a:p>
+          <a:p>
+            <a:pPr lvl="1"/>
+            <a:r>
+              <a:rPr lang="pl-PL" dirty="0"/>
+              <a:t>Instalacja biblioteki lokalnie: </a:t>
+            </a:r>
+            <a:r>
+              <a:rPr lang="pl-PL" dirty="0" err="1"/>
+              <a:t>npm</a:t>
+            </a:r>
+            <a:r>
+              <a:rPr lang="pl-PL" dirty="0"/>
+              <a:t> </a:t>
+            </a:r>
+            <a:r>
+              <a:rPr lang="pl-PL" dirty="0" err="1"/>
+              <a:t>install</a:t>
+            </a:r>
+            <a:r>
+              <a:rPr lang="pl-PL" dirty="0"/>
+              <a:t> </a:t>
+            </a:r>
+            <a:r>
+              <a:rPr lang="pl-PL" dirty="0" err="1"/>
+              <a:t>request</a:t>
+            </a:r>
+            <a:r>
+              <a:rPr lang="pl-PL" dirty="0"/>
+              <a:t> –</a:t>
+            </a:r>
+            <a:r>
+              <a:rPr lang="pl-PL" dirty="0" err="1"/>
+              <a:t>save-dev</a:t>
+            </a:r>
+            <a:endParaRPr lang="pl-PL" dirty="0"/>
+          </a:p>
+          <a:p>
+            <a:pPr lvl="1"/>
+            <a:r>
+              <a:rPr lang="pl-PL" dirty="0"/>
+              <a:t>Zapytanie do serwisu: </a:t>
+            </a:r>
+            <a:r>
+              <a:rPr lang="pl-PL" dirty="0">
+                <a:hlinkClick r:id="rId4"/>
               </a:rPr>
               <a:t>https://jsonplaceholder.typicode.com/posts/?userId=5</a:t>
             </a:r>
@@ -11442,8 +11483,37 @@
             </a:r>
             <a:r>
               <a:rPr lang="pl-PL" dirty="0"/>
-              <a:t> lokalnie</a:t>
-            </a:r>
+              <a:t> lokalnie: </a:t>
+            </a:r>
+            <a:r>
+              <a:rPr lang="pl-PL" dirty="0" err="1"/>
+              <a:t>npm</a:t>
+            </a:r>
+            <a:r>
+              <a:rPr lang="pl-PL" dirty="0"/>
+              <a:t> </a:t>
+            </a:r>
+            <a:r>
+              <a:rPr lang="pl-PL" dirty="0" err="1"/>
+              <a:t>install</a:t>
+            </a:r>
+            <a:r>
+              <a:rPr lang="pl-PL" dirty="0"/>
+              <a:t> </a:t>
+            </a:r>
+            <a:r>
+              <a:rPr lang="pl-PL" dirty="0" err="1"/>
+              <a:t>phantomjs</a:t>
+            </a:r>
+            <a:r>
+              <a:rPr lang="pl-PL" dirty="0"/>
+              <a:t> –</a:t>
+            </a:r>
+            <a:r>
+              <a:rPr lang="pl-PL" dirty="0" err="1"/>
+              <a:t>save-dev</a:t>
+            </a:r>
+            <a:endParaRPr lang="pl-PL" dirty="0"/>
           </a:p>
           <a:p>
             <a:pPr lvl="1"/>
@@ -11749,7 +11819,7 @@
             </a:pPr>
             <a:r>
               <a:rPr lang="pl-PL" dirty="0"/>
-              <a:t>5. Wykorzystanie narzędzia </a:t>
+              <a:t>6. Wykorzystanie narzędzia </a:t>
             </a:r>
             <a:r>
               <a:rPr lang="pl-PL" dirty="0" err="1"/>
@@ -11785,7 +11855,7 @@
             </a:pPr>
             <a:r>
               <a:rPr lang="pl-PL" dirty="0"/>
-              <a:t>6. Wykonanie testów dla wszystkich metod ze strony: </a:t>
+              <a:t>7. Wykonanie testów dla wszystkich metod ze strony: </a:t>
             </a:r>
             <a:r>
               <a:rPr lang="pl-PL" dirty="0">
@@ -11819,7 +11889,7 @@
             </a:pPr>
             <a:r>
               <a:rPr lang="pl-PL" dirty="0"/>
-              <a:t>7. Instalacja i konfiguracja </a:t>
+              <a:t>8. Instalacja i konfiguracja </a:t>
             </a:r>
             <a:r>
               <a:rPr lang="pl-PL" dirty="0" err="1"/>
@@ -12015,7 +12085,12 @@
             <p:ph idx="1"/>
           </p:nvPr>
         </p:nvSpPr>
-        <p:spPr/>
+        <p:spPr>
+          <a:xfrm>
+            <a:off x="1295401" y="2547601"/>
+            <a:ext cx="9601196" cy="3318936"/>
+          </a:xfrm>
+        </p:spPr>
         <p:txBody>
           <a:bodyPr/>
           <a:lstStyle/>
@@ -12025,7 +12100,7 @@
             </a:pPr>
             <a:r>
               <a:rPr lang="pl-PL" dirty="0"/>
-              <a:t>8. Implementacja DDT w wytworzonych testach automatycznych</a:t>
+              <a:t>9. Implementacja DDT w wytworzonych testach automatycznych</a:t>
             </a:r>
           </a:p>
           <a:p>
@@ -12033,8 +12108,20 @@
               <a:buNone/>
             </a:pPr>
             <a:r>
-              <a:rPr lang="pl-PL" dirty="0"/>
-              <a:t>9. Użycie mechanizmu </a:t>
+              <a:rPr lang="pl-PL"/>
+              <a:t>1</a:t>
+            </a:r>
+            <a:r>
+              <a:rPr lang="pl-PL" dirty="0"/>
+              <a:t>0</a:t>
+            </a:r>
+            <a:r>
+              <a:rPr lang="pl-PL"/>
+              <a:t>. </a:t>
+            </a:r>
+            <a:r>
+              <a:rPr lang="pl-PL" dirty="0"/>
+              <a:t>Użycie mechanizmu </a:t>
             </a:r>
             <a:r>
               <a:rPr lang="pl-PL" dirty="0" err="1"/>

--- a/JSRestApi/WarsztatQA.pptx
+++ b/JSRestApi/WarsztatQA.pptx
@@ -10497,6 +10497,15 @@
         <p:txBody>
           <a:bodyPr/>
           <a:lstStyle/>
+          <a:p>
+            <a:pPr marL="0" indent="0">
+              <a:buNone/>
+            </a:pPr>
+            <a:r>
+              <a:rPr lang="pl-PL" dirty="0"/>
+              <a:t>https://github.com/qadevpl/repo/tree/master/WarsztatQA</a:t>
+            </a:r>
+          </a:p>
           <a:p>
             <a:pPr marL="514350" indent="-514350">
               <a:buAutoNum type="arabicPeriod"/>
